--- a/report/LG_부트캠프_09기_B반_결과보고서(3팀).pptx
+++ b/report/LG_부트캠프_09기_B반_결과보고서(3팀).pptx
@@ -33,32 +33,32 @@
   <p:notesSz cx="9875838" cy="17556163"/>
   <p:embeddedFontLst>
     <p:embeddedFont>
+      <p:font typeface="Calibri" panose="020F0502020204030204" pitchFamily="34" charset="0"/>
+      <p:regular r:id="rId21"/>
+      <p:bold r:id="rId22"/>
+      <p:italic r:id="rId23"/>
+      <p:boldItalic r:id="rId24"/>
+    </p:embeddedFont>
+    <p:embeddedFont>
+      <p:font typeface="LG Smart UI SemiBold" panose="020B0700000101010101" pitchFamily="50" charset="-127"/>
+      <p:bold r:id="rId25"/>
+    </p:embeddedFont>
+    <p:embeddedFont>
+      <p:font typeface="LG Smart UI Bold" panose="020B0800000101010101" pitchFamily="50" charset="-127"/>
+      <p:bold r:id="rId26"/>
+    </p:embeddedFont>
+    <p:embeddedFont>
       <p:font typeface="LG Smart UI Light" panose="020B0300000101010101" pitchFamily="50" charset="-127"/>
-      <p:regular r:id="rId21"/>
+      <p:regular r:id="rId27"/>
+    </p:embeddedFont>
+    <p:embeddedFont>
+      <p:font typeface="LG Smart UI Regular" panose="020B0500000101010101" pitchFamily="50" charset="-127"/>
+      <p:regular r:id="rId28"/>
     </p:embeddedFont>
     <p:embeddedFont>
       <p:font typeface="맑은 고딕" panose="020B0503020000020004" pitchFamily="50" charset="-127"/>
-      <p:regular r:id="rId22"/>
-      <p:bold r:id="rId23"/>
-    </p:embeddedFont>
-    <p:embeddedFont>
-      <p:font typeface="LG Smart UI Bold" panose="020B0800000101010101" pitchFamily="50" charset="-127"/>
-      <p:bold r:id="rId24"/>
-    </p:embeddedFont>
-    <p:embeddedFont>
-      <p:font typeface="Calibri" panose="020F0502020204030204" pitchFamily="34" charset="0"/>
-      <p:regular r:id="rId25"/>
-      <p:bold r:id="rId26"/>
-      <p:italic r:id="rId27"/>
-      <p:boldItalic r:id="rId28"/>
-    </p:embeddedFont>
-    <p:embeddedFont>
-      <p:font typeface="LG Smart UI SemiBold" panose="020B0700000101010101" pitchFamily="50" charset="-127"/>
-      <p:bold r:id="rId29"/>
-    </p:embeddedFont>
-    <p:embeddedFont>
-      <p:font typeface="LG Smart UI Regular" panose="020B0500000101010101" pitchFamily="50" charset="-127"/>
-      <p:regular r:id="rId30"/>
+      <p:regular r:id="rId29"/>
+      <p:bold r:id="rId30"/>
     </p:embeddedFont>
   </p:embeddedFontLst>
   <p:defaultTextStyle>
@@ -274,7 +274,7 @@
           <a:p>
             <a:fld id="{768351DD-4FBF-434D-B900-90F4AD8C35C9}" type="datetimeFigureOut">
               <a:rPr lang="ko-KR" altLang="en-US" smtClean="0"/>
-              <a:t>2025-04-28</a:t>
+              <a:t>2025-04-29</a:t>
             </a:fld>
             <a:endParaRPr lang="ko-KR" altLang="en-US"/>
           </a:p>
@@ -1703,7 +1703,7 @@
           <p:cNvPr id="3" name="TextBox 2">
             <a:extLst>
               <a:ext uri="{FF2B5EF4-FFF2-40B4-BE49-F238E27FC236}">
-                <a16:creationId xmlns:a16="http://schemas.microsoft.com/office/drawing/2014/main" xmlns="" id="{0AE5D3B0-FC8C-B334-B879-147BA238E4E7}"/>
+                <a16:creationId xmlns="" xmlns:a16="http://schemas.microsoft.com/office/drawing/2014/main" id="{0AE5D3B0-FC8C-B334-B879-147BA238E4E7}"/>
               </a:ext>
             </a:extLst>
           </p:cNvPr>
@@ -1711,7 +1711,7 @@
           <p:nvPr>
             <p:extLst>
               <p:ext uri="{1162E1C5-73C7-4A58-AE30-91384D911F3F}">
-                <p184:classification xmlns:p184="http://schemas.microsoft.com/office/powerpoint/2018/4/main" xmlns="" val="hdr"/>
+                <p184:classification xmlns="" xmlns:p184="http://schemas.microsoft.com/office/powerpoint/2018/4/main" val="hdr"/>
               </p:ext>
             </p:extLst>
           </p:nvPr>
@@ -2391,8 +2391,25 @@
                 <a:latin typeface="LG Smart UI Bold" panose="020B0800000101010101" pitchFamily="50" charset="-127"/>
                 <a:ea typeface="LG Smart UI Bold" panose="020B0800000101010101" pitchFamily="50" charset="-127"/>
               </a:rPr>
-              <a:t>프로젝트 중간보고서</a:t>
-            </a:r>
+              <a:t>프로젝트 </a:t>
+            </a:r>
+            <a:r>
+              <a:rPr lang="ko-KR" altLang="en-US" sz="3600" b="1" dirty="0" smtClean="0">
+                <a:solidFill>
+                  <a:schemeClr val="bg1"/>
+                </a:solidFill>
+                <a:latin typeface="LG Smart UI Bold" panose="020B0800000101010101" pitchFamily="50" charset="-127"/>
+                <a:ea typeface="LG Smart UI Bold" panose="020B0800000101010101" pitchFamily="50" charset="-127"/>
+              </a:rPr>
+              <a:t>결과보고서</a:t>
+            </a:r>
+            <a:endParaRPr lang="ko-KR" altLang="en-US" sz="3600" b="1" dirty="0">
+              <a:solidFill>
+                <a:schemeClr val="bg1"/>
+              </a:solidFill>
+              <a:latin typeface="LG Smart UI Bold" panose="020B0800000101010101" pitchFamily="50" charset="-127"/>
+              <a:ea typeface="LG Smart UI Bold" panose="020B0800000101010101" pitchFamily="50" charset="-127"/>
+            </a:endParaRPr>
           </a:p>
         </p:txBody>
       </p:sp>
@@ -2419,7 +2436,7 @@
         <p:cNvPr id="1" name="">
           <a:extLst>
             <a:ext uri="{FF2B5EF4-FFF2-40B4-BE49-F238E27FC236}">
-              <a16:creationId xmlns:a16="http://schemas.microsoft.com/office/drawing/2014/main" xmlns="" id="{BB5F794E-283C-A899-9161-38C368F683B8}"/>
+              <a16:creationId xmlns="" xmlns:a16="http://schemas.microsoft.com/office/drawing/2014/main" id="{BB5F794E-283C-A899-9161-38C368F683B8}"/>
             </a:ext>
           </a:extLst>
         </p:cNvPr>
@@ -2439,7 +2456,7 @@
           <p:cNvPr id="2" name="TextBox 1">
             <a:extLst>
               <a:ext uri="{FF2B5EF4-FFF2-40B4-BE49-F238E27FC236}">
-                <a16:creationId xmlns:a16="http://schemas.microsoft.com/office/drawing/2014/main" xmlns="" id="{C7F6BC02-2E76-C5F3-4FF7-F7D6EE807D64}"/>
+                <a16:creationId xmlns="" xmlns:a16="http://schemas.microsoft.com/office/drawing/2014/main" id="{C7F6BC02-2E76-C5F3-4FF7-F7D6EE807D64}"/>
               </a:ext>
             </a:extLst>
           </p:cNvPr>
@@ -2504,7 +2521,7 @@
             <p:cNvPr id="9" name="그룹 8">
               <a:extLst>
                 <a:ext uri="{FF2B5EF4-FFF2-40B4-BE49-F238E27FC236}">
-                  <a16:creationId xmlns:a16="http://schemas.microsoft.com/office/drawing/2014/main" xmlns="" id="{7586CAB3-4E8E-E112-BEE5-03316043A557}"/>
+                  <a16:creationId xmlns="" xmlns:a16="http://schemas.microsoft.com/office/drawing/2014/main" id="{7586CAB3-4E8E-E112-BEE5-03316043A557}"/>
                 </a:ext>
               </a:extLst>
             </p:cNvPr>
@@ -2524,7 +2541,7 @@
               <p:cNvPr id="5126" name="Picture 6" descr="https://img.notionusercontent.com/s3/prod-files-secure%2Fa8564cf8-629e-45ec-bf9f-d59eddd4f436%2F7035608b-d620-43fc-a1e0-d812455c3157%2Fimage.png/size/w=2000?exp=1745309153&amp;sig=qWFFRI0-3mBJLs8oduhmwg072VfvmDRUgAuTNBlhLyI&amp;id=1ddd7f3a-d91c-80cc-95a1-dbd7a570b293&amp;table=block&amp;userId=9fe104dc-aaa9-4171-91a8-d50f41283e01">
                 <a:extLst>
                   <a:ext uri="{FF2B5EF4-FFF2-40B4-BE49-F238E27FC236}">
-                    <a16:creationId xmlns:a16="http://schemas.microsoft.com/office/drawing/2014/main" xmlns="" id="{6FA34002-2F7F-8DB2-8114-D2F8ECC12E80}"/>
+                    <a16:creationId xmlns="" xmlns:a16="http://schemas.microsoft.com/office/drawing/2014/main" id="{6FA34002-2F7F-8DB2-8114-D2F8ECC12E80}"/>
                   </a:ext>
                 </a:extLst>
               </p:cNvPr>
@@ -2569,7 +2586,7 @@
               <p:cNvPr id="5136" name="Picture 16" descr="Protecting Data in Google BigQuery Native Tables (part 1)">
                 <a:extLst>
                   <a:ext uri="{FF2B5EF4-FFF2-40B4-BE49-F238E27FC236}">
-                    <a16:creationId xmlns:a16="http://schemas.microsoft.com/office/drawing/2014/main" xmlns="" id="{570D872E-BBE2-4CDF-21BC-AA8A069437F6}"/>
+                    <a16:creationId xmlns="" xmlns:a16="http://schemas.microsoft.com/office/drawing/2014/main" id="{570D872E-BBE2-4CDF-21BC-AA8A069437F6}"/>
                   </a:ext>
                 </a:extLst>
               </p:cNvPr>
@@ -2614,7 +2631,7 @@
               <p:cNvPr id="5138" name="Picture 18" descr="https://img.notionusercontent.com/s3/prod-files-secure%2Fa8564cf8-629e-45ec-bf9f-d59eddd4f436%2F7d2f366a-1441-4aa6-9c89-6f2426028b1f%2Fimage.png/size/w=2000?exp=1745309229&amp;sig=4003VoPa4G-DhVz_aWocSobAGtzt67cLoDSG4TIYYL0&amp;id=1ddd7f3a-d91c-80ba-bc8c-f1c0af706b41&amp;table=block&amp;userId=9fe104dc-aaa9-4171-91a8-d50f41283e01">
                 <a:extLst>
                   <a:ext uri="{FF2B5EF4-FFF2-40B4-BE49-F238E27FC236}">
-                    <a16:creationId xmlns:a16="http://schemas.microsoft.com/office/drawing/2014/main" xmlns="" id="{6EC30EDD-9A90-C084-B8F8-7108E7468C04}"/>
+                    <a16:creationId xmlns="" xmlns:a16="http://schemas.microsoft.com/office/drawing/2014/main" id="{6EC30EDD-9A90-C084-B8F8-7108E7468C04}"/>
                   </a:ext>
                 </a:extLst>
               </p:cNvPr>
@@ -2659,7 +2676,7 @@
               <p:cNvPr id="5140" name="Picture 20" descr="https://img.notionusercontent.com/s3/prod-files-secure%2Fa8564cf8-629e-45ec-bf9f-d59eddd4f436%2F2170c74d-deae-40fd-9103-67b62eef7f8b%2Fimage.png/size/w=2000?exp=1745309238&amp;sig=82vUtX0CzksuiCqAtYdzSiCSTpVA0SLgov3goFUuvJo&amp;id=1ddd7f3a-d91c-8046-b525-f262ef9b1fbf&amp;table=block&amp;userId=9fe104dc-aaa9-4171-91a8-d50f41283e01">
                 <a:extLst>
                   <a:ext uri="{FF2B5EF4-FFF2-40B4-BE49-F238E27FC236}">
-                    <a16:creationId xmlns:a16="http://schemas.microsoft.com/office/drawing/2014/main" xmlns="" id="{5C1BBEC8-4EFA-DEDB-4437-BF3E37D5B2B7}"/>
+                    <a16:creationId xmlns="" xmlns:a16="http://schemas.microsoft.com/office/drawing/2014/main" id="{5C1BBEC8-4EFA-DEDB-4437-BF3E37D5B2B7}"/>
                   </a:ext>
                 </a:extLst>
               </p:cNvPr>
@@ -2707,7 +2724,7 @@
             <p:cNvPr id="5142" name="Picture 22" descr="https://img.notionusercontent.com/s3/prod-files-secure%2Fa8564cf8-629e-45ec-bf9f-d59eddd4f436%2F7bab2941-0a60-418f-a794-6c3a84c753ce%2Fimage.png/size/w=2000?exp=1745309256&amp;sig=vMVYdzHfwX49FqL-l6jfGpZ7pkU3QdZVJZeeWxjAlPM&amp;id=1ddd7f3a-d91c-809b-b13b-c6e3928d1c59&amp;table=block&amp;userId=9fe104dc-aaa9-4171-91a8-d50f41283e01">
               <a:extLst>
                 <a:ext uri="{FF2B5EF4-FFF2-40B4-BE49-F238E27FC236}">
-                  <a16:creationId xmlns:a16="http://schemas.microsoft.com/office/drawing/2014/main" xmlns="" id="{631C2674-17D3-52E8-7077-DECD020420B5}"/>
+                  <a16:creationId xmlns="" xmlns:a16="http://schemas.microsoft.com/office/drawing/2014/main" id="{631C2674-17D3-52E8-7077-DECD020420B5}"/>
                 </a:ext>
               </a:extLst>
             </p:cNvPr>
@@ -2752,7 +2769,7 @@
             <p:cNvPr id="7" name="그룹 6">
               <a:extLst>
                 <a:ext uri="{FF2B5EF4-FFF2-40B4-BE49-F238E27FC236}">
-                  <a16:creationId xmlns:a16="http://schemas.microsoft.com/office/drawing/2014/main" xmlns="" id="{05581450-87CB-F162-2791-830C88FBB26E}"/>
+                  <a16:creationId xmlns="" xmlns:a16="http://schemas.microsoft.com/office/drawing/2014/main" id="{05581450-87CB-F162-2791-830C88FBB26E}"/>
                 </a:ext>
               </a:extLst>
             </p:cNvPr>
@@ -2772,7 +2789,7 @@
               <p:cNvPr id="4" name="그림 3" descr="텍스트, 스크린샷, 대칭이(가) 표시된 사진&#10;&#10;AI 생성 콘텐츠는 정확하지 않을 수 있습니다.">
                 <a:extLst>
                   <a:ext uri="{FF2B5EF4-FFF2-40B4-BE49-F238E27FC236}">
-                    <a16:creationId xmlns:a16="http://schemas.microsoft.com/office/drawing/2014/main" xmlns="" id="{CD7B8C8D-A4D8-322B-8C3D-F5A8FE6065F7}"/>
+                    <a16:creationId xmlns="" xmlns:a16="http://schemas.microsoft.com/office/drawing/2014/main" id="{CD7B8C8D-A4D8-322B-8C3D-F5A8FE6065F7}"/>
                   </a:ext>
                 </a:extLst>
               </p:cNvPr>
@@ -2807,7 +2824,7 @@
               <p:cNvPr id="5" name="그림 4" descr="텍스트, 스크린샷, 대칭이(가) 표시된 사진&#10;&#10;AI 생성 콘텐츠는 정확하지 않을 수 있습니다.">
                 <a:extLst>
                   <a:ext uri="{FF2B5EF4-FFF2-40B4-BE49-F238E27FC236}">
-                    <a16:creationId xmlns:a16="http://schemas.microsoft.com/office/drawing/2014/main" xmlns="" id="{76503CB1-FBA7-3237-3C4F-A12D04320ABA}"/>
+                    <a16:creationId xmlns="" xmlns:a16="http://schemas.microsoft.com/office/drawing/2014/main" id="{76503CB1-FBA7-3237-3C4F-A12D04320ABA}"/>
                   </a:ext>
                 </a:extLst>
               </p:cNvPr>
@@ -2842,7 +2859,7 @@
               <p:cNvPr id="6" name="그림 5" descr="텍스트, 스크린샷, 대칭이(가) 표시된 사진&#10;&#10;AI 생성 콘텐츠는 정확하지 않을 수 있습니다.">
                 <a:extLst>
                   <a:ext uri="{FF2B5EF4-FFF2-40B4-BE49-F238E27FC236}">
-                    <a16:creationId xmlns:a16="http://schemas.microsoft.com/office/drawing/2014/main" xmlns="" id="{3E64E56E-FA64-0DDC-45A9-DA413E4ED448}"/>
+                    <a16:creationId xmlns="" xmlns:a16="http://schemas.microsoft.com/office/drawing/2014/main" id="{3E64E56E-FA64-0DDC-45A9-DA413E4ED448}"/>
                   </a:ext>
                 </a:extLst>
               </p:cNvPr>
@@ -2878,7 +2895,7 @@
             <p:cNvPr id="11" name="TextBox 10">
               <a:extLst>
                 <a:ext uri="{FF2B5EF4-FFF2-40B4-BE49-F238E27FC236}">
-                  <a16:creationId xmlns:a16="http://schemas.microsoft.com/office/drawing/2014/main" xmlns="" id="{30BCC1FC-7DB7-30F3-41C1-2AEFF95265FC}"/>
+                  <a16:creationId xmlns="" xmlns:a16="http://schemas.microsoft.com/office/drawing/2014/main" id="{30BCC1FC-7DB7-30F3-41C1-2AEFF95265FC}"/>
                 </a:ext>
               </a:extLst>
             </p:cNvPr>
@@ -2925,7 +2942,7 @@
             <p:cNvPr id="17" name="그룹 16">
               <a:extLst>
                 <a:ext uri="{FF2B5EF4-FFF2-40B4-BE49-F238E27FC236}">
-                  <a16:creationId xmlns:a16="http://schemas.microsoft.com/office/drawing/2014/main" xmlns="" id="{79FA8006-6A3B-6410-A665-EA6644E73222}"/>
+                  <a16:creationId xmlns="" xmlns:a16="http://schemas.microsoft.com/office/drawing/2014/main" id="{79FA8006-6A3B-6410-A665-EA6644E73222}"/>
                 </a:ext>
               </a:extLst>
             </p:cNvPr>
@@ -2945,7 +2962,7 @@
               <p:cNvPr id="5124" name="Picture 4" descr="w=2000 (2048×829)">
                 <a:extLst>
                   <a:ext uri="{FF2B5EF4-FFF2-40B4-BE49-F238E27FC236}">
-                    <a16:creationId xmlns:a16="http://schemas.microsoft.com/office/drawing/2014/main" xmlns="" id="{7B026789-7FF6-0E8D-F89F-4E9E70766F81}"/>
+                    <a16:creationId xmlns="" xmlns:a16="http://schemas.microsoft.com/office/drawing/2014/main" id="{7B026789-7FF6-0E8D-F89F-4E9E70766F81}"/>
                   </a:ext>
                 </a:extLst>
               </p:cNvPr>
@@ -2990,7 +3007,7 @@
               <p:cNvPr id="12" name="그림 11" descr="Polars - NamuWiki">
                 <a:extLst>
                   <a:ext uri="{FF2B5EF4-FFF2-40B4-BE49-F238E27FC236}">
-                    <a16:creationId xmlns:a16="http://schemas.microsoft.com/office/drawing/2014/main" xmlns="" id="{23D18B9B-BC53-4A05-F218-89047DC6D615}"/>
+                    <a16:creationId xmlns="" xmlns:a16="http://schemas.microsoft.com/office/drawing/2014/main" id="{23D18B9B-BC53-4A05-F218-89047DC6D615}"/>
                   </a:ext>
                 </a:extLst>
               </p:cNvPr>
@@ -3021,7 +3038,7 @@
             <p:cNvPr id="13" name="TextBox 12">
               <a:extLst>
                 <a:ext uri="{FF2B5EF4-FFF2-40B4-BE49-F238E27FC236}">
-                  <a16:creationId xmlns:a16="http://schemas.microsoft.com/office/drawing/2014/main" xmlns="" id="{FA1118FD-F4DA-909A-6CED-4309457E6F0C}"/>
+                  <a16:creationId xmlns="" xmlns:a16="http://schemas.microsoft.com/office/drawing/2014/main" id="{FA1118FD-F4DA-909A-6CED-4309457E6F0C}"/>
                 </a:ext>
               </a:extLst>
             </p:cNvPr>
@@ -3072,7 +3089,7 @@
             <p:cNvPr id="19" name="TextBox 18">
               <a:extLst>
                 <a:ext uri="{FF2B5EF4-FFF2-40B4-BE49-F238E27FC236}">
-                  <a16:creationId xmlns:a16="http://schemas.microsoft.com/office/drawing/2014/main" xmlns="" id="{DFBE7CE8-C7E4-D88F-8808-B348BA9C105C}"/>
+                  <a16:creationId xmlns="" xmlns:a16="http://schemas.microsoft.com/office/drawing/2014/main" id="{DFBE7CE8-C7E4-D88F-8808-B348BA9C105C}"/>
                 </a:ext>
               </a:extLst>
             </p:cNvPr>
@@ -3115,7 +3132,7 @@
             <p:cNvPr id="25" name="그룹 24">
               <a:extLst>
                 <a:ext uri="{FF2B5EF4-FFF2-40B4-BE49-F238E27FC236}">
-                  <a16:creationId xmlns:a16="http://schemas.microsoft.com/office/drawing/2014/main" xmlns="" id="{CF3BD5D0-5BF4-9863-F368-599BC10C1F6B}"/>
+                  <a16:creationId xmlns="" xmlns:a16="http://schemas.microsoft.com/office/drawing/2014/main" id="{CF3BD5D0-5BF4-9863-F368-599BC10C1F6B}"/>
                 </a:ext>
               </a:extLst>
             </p:cNvPr>
@@ -3135,7 +3152,7 @@
               <p:cNvPr id="5144" name="Picture 24" descr="w=2000 (1200×300)">
                 <a:extLst>
                   <a:ext uri="{FF2B5EF4-FFF2-40B4-BE49-F238E27FC236}">
-                    <a16:creationId xmlns:a16="http://schemas.microsoft.com/office/drawing/2014/main" xmlns="" id="{53B4F34D-8788-7AD6-847B-3243F7A72A9D}"/>
+                    <a16:creationId xmlns="" xmlns:a16="http://schemas.microsoft.com/office/drawing/2014/main" id="{53B4F34D-8788-7AD6-847B-3243F7A72A9D}"/>
                   </a:ext>
                 </a:extLst>
               </p:cNvPr>
@@ -3182,7 +3199,7 @@
               <p:cNvPr id="20" name="그림 19" descr="텍스트, 스크린샷, 도표, 디자인이(가) 표시된 사진&#10;&#10;AI 생성 콘텐츠는 정확하지 않을 수 있습니다.">
                 <a:extLst>
                   <a:ext uri="{FF2B5EF4-FFF2-40B4-BE49-F238E27FC236}">
-                    <a16:creationId xmlns:a16="http://schemas.microsoft.com/office/drawing/2014/main" xmlns="" id="{9C13C50E-42A9-99A7-D8E4-D47884E3E0D1}"/>
+                    <a16:creationId xmlns="" xmlns:a16="http://schemas.microsoft.com/office/drawing/2014/main" id="{9C13C50E-42A9-99A7-D8E4-D47884E3E0D1}"/>
                   </a:ext>
                 </a:extLst>
               </p:cNvPr>
@@ -3213,7 +3230,7 @@
             <p:cNvPr id="21" name="TextBox 20">
               <a:extLst>
                 <a:ext uri="{FF2B5EF4-FFF2-40B4-BE49-F238E27FC236}">
-                  <a16:creationId xmlns:a16="http://schemas.microsoft.com/office/drawing/2014/main" xmlns="" id="{3B7BE10D-551F-6C93-1AF8-828E62E14517}"/>
+                  <a16:creationId xmlns="" xmlns:a16="http://schemas.microsoft.com/office/drawing/2014/main" id="{3B7BE10D-551F-6C93-1AF8-828E62E14517}"/>
                 </a:ext>
               </a:extLst>
             </p:cNvPr>
@@ -3264,7 +3281,7 @@
             <p:cNvPr id="22" name="직선 화살표 연결선 21">
               <a:extLst>
                 <a:ext uri="{FF2B5EF4-FFF2-40B4-BE49-F238E27FC236}">
-                  <a16:creationId xmlns:a16="http://schemas.microsoft.com/office/drawing/2014/main" xmlns="" id="{1AAEFB2E-9455-AFCB-B8DD-23409E8C12B3}"/>
+                  <a16:creationId xmlns="" xmlns:a16="http://schemas.microsoft.com/office/drawing/2014/main" id="{1AAEFB2E-9455-AFCB-B8DD-23409E8C12B3}"/>
                 </a:ext>
               </a:extLst>
             </p:cNvPr>
@@ -3303,7 +3320,7 @@
             <p:cNvPr id="23" name="직선 화살표 연결선 22">
               <a:extLst>
                 <a:ext uri="{FF2B5EF4-FFF2-40B4-BE49-F238E27FC236}">
-                  <a16:creationId xmlns:a16="http://schemas.microsoft.com/office/drawing/2014/main" xmlns="" id="{1C8C9642-A7E8-88F3-D042-0565C6995AB3}"/>
+                  <a16:creationId xmlns="" xmlns:a16="http://schemas.microsoft.com/office/drawing/2014/main" id="{1C8C9642-A7E8-88F3-D042-0565C6995AB3}"/>
                 </a:ext>
               </a:extLst>
             </p:cNvPr>
@@ -3344,7 +3361,7 @@
             <p:cNvPr id="24" name="직선 화살표 연결선 23">
               <a:extLst>
                 <a:ext uri="{FF2B5EF4-FFF2-40B4-BE49-F238E27FC236}">
-                  <a16:creationId xmlns:a16="http://schemas.microsoft.com/office/drawing/2014/main" xmlns="" id="{17732BF8-8E30-02E8-8430-79D78B369D2A}"/>
+                  <a16:creationId xmlns="" xmlns:a16="http://schemas.microsoft.com/office/drawing/2014/main" id="{17732BF8-8E30-02E8-8430-79D78B369D2A}"/>
                 </a:ext>
               </a:extLst>
             </p:cNvPr>
@@ -3385,7 +3402,7 @@
             <p:cNvPr id="29" name="TextBox 28">
               <a:extLst>
                 <a:ext uri="{FF2B5EF4-FFF2-40B4-BE49-F238E27FC236}">
-                  <a16:creationId xmlns:a16="http://schemas.microsoft.com/office/drawing/2014/main" xmlns="" id="{7DEBE498-2A49-591D-C96E-EC142E12A39B}"/>
+                  <a16:creationId xmlns="" xmlns:a16="http://schemas.microsoft.com/office/drawing/2014/main" id="{7DEBE498-2A49-591D-C96E-EC142E12A39B}"/>
                 </a:ext>
               </a:extLst>
             </p:cNvPr>
@@ -3428,7 +3445,7 @@
             <p:cNvPr id="30" name="직선 화살표 연결선 29">
               <a:extLst>
                 <a:ext uri="{FF2B5EF4-FFF2-40B4-BE49-F238E27FC236}">
-                  <a16:creationId xmlns:a16="http://schemas.microsoft.com/office/drawing/2014/main" xmlns="" id="{A9CAD702-224D-68C5-0B71-F70D983F2322}"/>
+                  <a16:creationId xmlns="" xmlns:a16="http://schemas.microsoft.com/office/drawing/2014/main" id="{A9CAD702-224D-68C5-0B71-F70D983F2322}"/>
                 </a:ext>
               </a:extLst>
             </p:cNvPr>
@@ -3469,7 +3486,7 @@
             <p:cNvPr id="31" name="직선 화살표 연결선 30">
               <a:extLst>
                 <a:ext uri="{FF2B5EF4-FFF2-40B4-BE49-F238E27FC236}">
-                  <a16:creationId xmlns:a16="http://schemas.microsoft.com/office/drawing/2014/main" xmlns="" id="{EC9A01B9-C141-251D-3257-802A2F0567BF}"/>
+                  <a16:creationId xmlns="" xmlns:a16="http://schemas.microsoft.com/office/drawing/2014/main" id="{EC9A01B9-C141-251D-3257-802A2F0567BF}"/>
                 </a:ext>
               </a:extLst>
             </p:cNvPr>
@@ -3525,7 +3542,7 @@
             <p:cNvPr id="26" name="TextBox 25">
               <a:extLst>
                 <a:ext uri="{FF2B5EF4-FFF2-40B4-BE49-F238E27FC236}">
-                  <a16:creationId xmlns:a16="http://schemas.microsoft.com/office/drawing/2014/main" xmlns="" id="{77CB7E9A-C0C7-E141-D691-0AD3C63854B5}"/>
+                  <a16:creationId xmlns="" xmlns:a16="http://schemas.microsoft.com/office/drawing/2014/main" id="{77CB7E9A-C0C7-E141-D691-0AD3C63854B5}"/>
                 </a:ext>
               </a:extLst>
             </p:cNvPr>
@@ -3564,7 +3581,7 @@
             <p:cNvPr id="32" name="직사각형 31">
               <a:extLst>
                 <a:ext uri="{FF2B5EF4-FFF2-40B4-BE49-F238E27FC236}">
-                  <a16:creationId xmlns:a16="http://schemas.microsoft.com/office/drawing/2014/main" xmlns="" id="{15780B38-3605-618F-91B0-07D654B49D4D}"/>
+                  <a16:creationId xmlns="" xmlns:a16="http://schemas.microsoft.com/office/drawing/2014/main" id="{15780B38-3605-618F-91B0-07D654B49D4D}"/>
                 </a:ext>
               </a:extLst>
             </p:cNvPr>
@@ -3680,7 +3697,7 @@
         <p:cNvPr id="1" name="">
           <a:extLst>
             <a:ext uri="{FF2B5EF4-FFF2-40B4-BE49-F238E27FC236}">
-              <a16:creationId xmlns:a16="http://schemas.microsoft.com/office/drawing/2014/main" xmlns="" id="{BB5F794E-283C-A899-9161-38C368F683B8}"/>
+              <a16:creationId xmlns="" xmlns:a16="http://schemas.microsoft.com/office/drawing/2014/main" id="{BB5F794E-283C-A899-9161-38C368F683B8}"/>
             </a:ext>
           </a:extLst>
         </p:cNvPr>
@@ -3700,7 +3717,7 @@
           <p:cNvPr id="2" name="TextBox 1">
             <a:extLst>
               <a:ext uri="{FF2B5EF4-FFF2-40B4-BE49-F238E27FC236}">
-                <a16:creationId xmlns:a16="http://schemas.microsoft.com/office/drawing/2014/main" xmlns="" id="{C7F6BC02-2E76-C5F3-4FF7-F7D6EE807D64}"/>
+                <a16:creationId xmlns="" xmlns:a16="http://schemas.microsoft.com/office/drawing/2014/main" id="{C7F6BC02-2E76-C5F3-4FF7-F7D6EE807D64}"/>
               </a:ext>
             </a:extLst>
           </p:cNvPr>
@@ -3751,7 +3768,7 @@
           <p:cNvPr id="14" name="TextBox 13">
             <a:extLst>
               <a:ext uri="{FF2B5EF4-FFF2-40B4-BE49-F238E27FC236}">
-                <a16:creationId xmlns:a16="http://schemas.microsoft.com/office/drawing/2014/main" xmlns="" id="{CFCB4909-E6A8-74EB-3BCE-A07ED746715A}"/>
+                <a16:creationId xmlns="" xmlns:a16="http://schemas.microsoft.com/office/drawing/2014/main" id="{CFCB4909-E6A8-74EB-3BCE-A07ED746715A}"/>
               </a:ext>
             </a:extLst>
           </p:cNvPr>
@@ -4040,7 +4057,7 @@
             <p:cNvPr id="26" name="TextBox 25">
               <a:extLst>
                 <a:ext uri="{FF2B5EF4-FFF2-40B4-BE49-F238E27FC236}">
-                  <a16:creationId xmlns:a16="http://schemas.microsoft.com/office/drawing/2014/main" xmlns="" id="{77CB7E9A-C0C7-E141-D691-0AD3C63854B5}"/>
+                  <a16:creationId xmlns="" xmlns:a16="http://schemas.microsoft.com/office/drawing/2014/main" id="{77CB7E9A-C0C7-E141-D691-0AD3C63854B5}"/>
                 </a:ext>
               </a:extLst>
             </p:cNvPr>
@@ -4084,7 +4101,7 @@
             <p:cNvPr id="32" name="직사각형 31">
               <a:extLst>
                 <a:ext uri="{FF2B5EF4-FFF2-40B4-BE49-F238E27FC236}">
-                  <a16:creationId xmlns:a16="http://schemas.microsoft.com/office/drawing/2014/main" xmlns="" id="{15780B38-3605-618F-91B0-07D654B49D4D}"/>
+                  <a16:creationId xmlns="" xmlns:a16="http://schemas.microsoft.com/office/drawing/2014/main" id="{15780B38-3605-618F-91B0-07D654B49D4D}"/>
                 </a:ext>
               </a:extLst>
             </p:cNvPr>
@@ -4154,7 +4171,7 @@
             <p:cNvPr id="34" name="그림 33" descr="텍스트, 스크린샷, 대칭이(가) 표시된 사진&#10;&#10;AI 생성 콘텐츠는 정확하지 않을 수 있습니다.">
               <a:extLst>
                 <a:ext uri="{FF2B5EF4-FFF2-40B4-BE49-F238E27FC236}">
-                  <a16:creationId xmlns:a16="http://schemas.microsoft.com/office/drawing/2014/main" xmlns="" id="{CD7B8C8D-A4D8-322B-8C3D-F5A8FE6065F7}"/>
+                  <a16:creationId xmlns="" xmlns:a16="http://schemas.microsoft.com/office/drawing/2014/main" id="{CD7B8C8D-A4D8-322B-8C3D-F5A8FE6065F7}"/>
                 </a:ext>
               </a:extLst>
             </p:cNvPr>
@@ -4189,7 +4206,7 @@
             <p:cNvPr id="37" name="TextBox 36">
               <a:extLst>
                 <a:ext uri="{FF2B5EF4-FFF2-40B4-BE49-F238E27FC236}">
-                  <a16:creationId xmlns:a16="http://schemas.microsoft.com/office/drawing/2014/main" xmlns="" id="{30BCC1FC-7DB7-30F3-41C1-2AEFF95265FC}"/>
+                  <a16:creationId xmlns="" xmlns:a16="http://schemas.microsoft.com/office/drawing/2014/main" id="{30BCC1FC-7DB7-30F3-41C1-2AEFF95265FC}"/>
                 </a:ext>
               </a:extLst>
             </p:cNvPr>
@@ -4267,7 +4284,7 @@
             <p:cNvPr id="46" name="직선 화살표 연결선 45">
               <a:extLst>
                 <a:ext uri="{FF2B5EF4-FFF2-40B4-BE49-F238E27FC236}">
-                  <a16:creationId xmlns:a16="http://schemas.microsoft.com/office/drawing/2014/main" xmlns="" id="{1AAEFB2E-9455-AFCB-B8DD-23409E8C12B3}"/>
+                  <a16:creationId xmlns="" xmlns:a16="http://schemas.microsoft.com/office/drawing/2014/main" id="{1AAEFB2E-9455-AFCB-B8DD-23409E8C12B3}"/>
                 </a:ext>
               </a:extLst>
             </p:cNvPr>
@@ -4306,7 +4323,7 @@
             <p:cNvPr id="48" name="TextBox 47">
               <a:extLst>
                 <a:ext uri="{FF2B5EF4-FFF2-40B4-BE49-F238E27FC236}">
-                  <a16:creationId xmlns:a16="http://schemas.microsoft.com/office/drawing/2014/main" xmlns="" id="{30BCC1FC-7DB7-30F3-41C1-2AEFF95265FC}"/>
+                  <a16:creationId xmlns="" xmlns:a16="http://schemas.microsoft.com/office/drawing/2014/main" id="{30BCC1FC-7DB7-30F3-41C1-2AEFF95265FC}"/>
                 </a:ext>
               </a:extLst>
             </p:cNvPr>
@@ -4353,7 +4370,7 @@
           <p:cNvPr id="49" name="그룹 48">
             <a:extLst>
               <a:ext uri="{FF2B5EF4-FFF2-40B4-BE49-F238E27FC236}">
-                <a16:creationId xmlns:a16="http://schemas.microsoft.com/office/drawing/2014/main" xmlns="" id="{05581450-87CB-F162-2791-830C88FBB26E}"/>
+                <a16:creationId xmlns="" xmlns:a16="http://schemas.microsoft.com/office/drawing/2014/main" id="{05581450-87CB-F162-2791-830C88FBB26E}"/>
               </a:ext>
             </a:extLst>
           </p:cNvPr>
@@ -4373,7 +4390,7 @@
             <p:cNvPr id="50" name="그림 49" descr="텍스트, 스크린샷, 대칭이(가) 표시된 사진&#10;&#10;AI 생성 콘텐츠는 정확하지 않을 수 있습니다.">
               <a:extLst>
                 <a:ext uri="{FF2B5EF4-FFF2-40B4-BE49-F238E27FC236}">
-                  <a16:creationId xmlns:a16="http://schemas.microsoft.com/office/drawing/2014/main" xmlns="" id="{CD7B8C8D-A4D8-322B-8C3D-F5A8FE6065F7}"/>
+                  <a16:creationId xmlns="" xmlns:a16="http://schemas.microsoft.com/office/drawing/2014/main" id="{CD7B8C8D-A4D8-322B-8C3D-F5A8FE6065F7}"/>
                 </a:ext>
               </a:extLst>
             </p:cNvPr>
@@ -4408,7 +4425,7 @@
             <p:cNvPr id="51" name="그림 50" descr="텍스트, 스크린샷, 대칭이(가) 표시된 사진&#10;&#10;AI 생성 콘텐츠는 정확하지 않을 수 있습니다.">
               <a:extLst>
                 <a:ext uri="{FF2B5EF4-FFF2-40B4-BE49-F238E27FC236}">
-                  <a16:creationId xmlns:a16="http://schemas.microsoft.com/office/drawing/2014/main" xmlns="" id="{76503CB1-FBA7-3237-3C4F-A12D04320ABA}"/>
+                  <a16:creationId xmlns="" xmlns:a16="http://schemas.microsoft.com/office/drawing/2014/main" id="{76503CB1-FBA7-3237-3C4F-A12D04320ABA}"/>
                 </a:ext>
               </a:extLst>
             </p:cNvPr>
@@ -4443,7 +4460,7 @@
             <p:cNvPr id="52" name="그림 51" descr="텍스트, 스크린샷, 대칭이(가) 표시된 사진&#10;&#10;AI 생성 콘텐츠는 정확하지 않을 수 있습니다.">
               <a:extLst>
                 <a:ext uri="{FF2B5EF4-FFF2-40B4-BE49-F238E27FC236}">
-                  <a16:creationId xmlns:a16="http://schemas.microsoft.com/office/drawing/2014/main" xmlns="" id="{3E64E56E-FA64-0DDC-45A9-DA413E4ED448}"/>
+                  <a16:creationId xmlns="" xmlns:a16="http://schemas.microsoft.com/office/drawing/2014/main" id="{3E64E56E-FA64-0DDC-45A9-DA413E4ED448}"/>
                 </a:ext>
               </a:extLst>
             </p:cNvPr>
@@ -4493,7 +4510,7 @@
             <p:cNvPr id="17" name="그룹 16">
               <a:extLst>
                 <a:ext uri="{FF2B5EF4-FFF2-40B4-BE49-F238E27FC236}">
-                  <a16:creationId xmlns:a16="http://schemas.microsoft.com/office/drawing/2014/main" xmlns="" id="{79FA8006-6A3B-6410-A665-EA6644E73222}"/>
+                  <a16:creationId xmlns="" xmlns:a16="http://schemas.microsoft.com/office/drawing/2014/main" id="{79FA8006-6A3B-6410-A665-EA6644E73222}"/>
                 </a:ext>
               </a:extLst>
             </p:cNvPr>
@@ -4513,7 +4530,7 @@
               <p:cNvPr id="5124" name="Picture 4" descr="w=2000 (2048×829)">
                 <a:extLst>
                   <a:ext uri="{FF2B5EF4-FFF2-40B4-BE49-F238E27FC236}">
-                    <a16:creationId xmlns:a16="http://schemas.microsoft.com/office/drawing/2014/main" xmlns="" id="{7B026789-7FF6-0E8D-F89F-4E9E70766F81}"/>
+                    <a16:creationId xmlns="" xmlns:a16="http://schemas.microsoft.com/office/drawing/2014/main" id="{7B026789-7FF6-0E8D-F89F-4E9E70766F81}"/>
                   </a:ext>
                 </a:extLst>
               </p:cNvPr>
@@ -4558,7 +4575,7 @@
               <p:cNvPr id="12" name="그림 11" descr="Polars - NamuWiki">
                 <a:extLst>
                   <a:ext uri="{FF2B5EF4-FFF2-40B4-BE49-F238E27FC236}">
-                    <a16:creationId xmlns:a16="http://schemas.microsoft.com/office/drawing/2014/main" xmlns="" id="{23D18B9B-BC53-4A05-F218-89047DC6D615}"/>
+                    <a16:creationId xmlns="" xmlns:a16="http://schemas.microsoft.com/office/drawing/2014/main" id="{23D18B9B-BC53-4A05-F218-89047DC6D615}"/>
                   </a:ext>
                 </a:extLst>
               </p:cNvPr>
@@ -4603,7 +4620,7 @@
               <p:cNvPr id="53" name="직선 화살표 연결선 52">
                 <a:extLst>
                   <a:ext uri="{FF2B5EF4-FFF2-40B4-BE49-F238E27FC236}">
-                    <a16:creationId xmlns:a16="http://schemas.microsoft.com/office/drawing/2014/main" xmlns="" id="{1AAEFB2E-9455-AFCB-B8DD-23409E8C12B3}"/>
+                    <a16:creationId xmlns="" xmlns:a16="http://schemas.microsoft.com/office/drawing/2014/main" id="{1AAEFB2E-9455-AFCB-B8DD-23409E8C12B3}"/>
                   </a:ext>
                 </a:extLst>
               </p:cNvPr>
@@ -4642,7 +4659,7 @@
               <p:cNvPr id="54" name="TextBox 53">
                 <a:extLst>
                   <a:ext uri="{FF2B5EF4-FFF2-40B4-BE49-F238E27FC236}">
-                    <a16:creationId xmlns:a16="http://schemas.microsoft.com/office/drawing/2014/main" xmlns="" id="{30BCC1FC-7DB7-30F3-41C1-2AEFF95265FC}"/>
+                    <a16:creationId xmlns="" xmlns:a16="http://schemas.microsoft.com/office/drawing/2014/main" id="{30BCC1FC-7DB7-30F3-41C1-2AEFF95265FC}"/>
                   </a:ext>
                 </a:extLst>
               </p:cNvPr>
@@ -5025,7 +5042,7 @@
             <p:cNvPr id="79" name="직선 화살표 연결선 78">
               <a:extLst>
                 <a:ext uri="{FF2B5EF4-FFF2-40B4-BE49-F238E27FC236}">
-                  <a16:creationId xmlns:a16="http://schemas.microsoft.com/office/drawing/2014/main" xmlns="" id="{1AAEFB2E-9455-AFCB-B8DD-23409E8C12B3}"/>
+                  <a16:creationId xmlns="" xmlns:a16="http://schemas.microsoft.com/office/drawing/2014/main" id="{1AAEFB2E-9455-AFCB-B8DD-23409E8C12B3}"/>
                 </a:ext>
               </a:extLst>
             </p:cNvPr>
@@ -5064,7 +5081,7 @@
             <p:cNvPr id="80" name="TextBox 79">
               <a:extLst>
                 <a:ext uri="{FF2B5EF4-FFF2-40B4-BE49-F238E27FC236}">
-                  <a16:creationId xmlns:a16="http://schemas.microsoft.com/office/drawing/2014/main" xmlns="" id="{30BCC1FC-7DB7-30F3-41C1-2AEFF95265FC}"/>
+                  <a16:creationId xmlns="" xmlns:a16="http://schemas.microsoft.com/office/drawing/2014/main" id="{30BCC1FC-7DB7-30F3-41C1-2AEFF95265FC}"/>
                 </a:ext>
               </a:extLst>
             </p:cNvPr>
@@ -5125,7 +5142,7 @@
             <p:cNvPr id="83" name="직선 화살표 연결선 82">
               <a:extLst>
                 <a:ext uri="{FF2B5EF4-FFF2-40B4-BE49-F238E27FC236}">
-                  <a16:creationId xmlns:a16="http://schemas.microsoft.com/office/drawing/2014/main" xmlns="" id="{1AAEFB2E-9455-AFCB-B8DD-23409E8C12B3}"/>
+                  <a16:creationId xmlns="" xmlns:a16="http://schemas.microsoft.com/office/drawing/2014/main" id="{1AAEFB2E-9455-AFCB-B8DD-23409E8C12B3}"/>
                 </a:ext>
               </a:extLst>
             </p:cNvPr>
@@ -5164,7 +5181,7 @@
             <p:cNvPr id="84" name="TextBox 83">
               <a:extLst>
                 <a:ext uri="{FF2B5EF4-FFF2-40B4-BE49-F238E27FC236}">
-                  <a16:creationId xmlns:a16="http://schemas.microsoft.com/office/drawing/2014/main" xmlns="" id="{30BCC1FC-7DB7-30F3-41C1-2AEFF95265FC}"/>
+                  <a16:creationId xmlns="" xmlns:a16="http://schemas.microsoft.com/office/drawing/2014/main" id="{30BCC1FC-7DB7-30F3-41C1-2AEFF95265FC}"/>
                 </a:ext>
               </a:extLst>
             </p:cNvPr>
@@ -5232,7 +5249,7 @@
             <p:cNvPr id="86" name="직선 화살표 연결선 85">
               <a:extLst>
                 <a:ext uri="{FF2B5EF4-FFF2-40B4-BE49-F238E27FC236}">
-                  <a16:creationId xmlns:a16="http://schemas.microsoft.com/office/drawing/2014/main" xmlns="" id="{1AAEFB2E-9455-AFCB-B8DD-23409E8C12B3}"/>
+                  <a16:creationId xmlns="" xmlns:a16="http://schemas.microsoft.com/office/drawing/2014/main" id="{1AAEFB2E-9455-AFCB-B8DD-23409E8C12B3}"/>
                 </a:ext>
               </a:extLst>
             </p:cNvPr>
@@ -5271,7 +5288,7 @@
             <p:cNvPr id="87" name="TextBox 86">
               <a:extLst>
                 <a:ext uri="{FF2B5EF4-FFF2-40B4-BE49-F238E27FC236}">
-                  <a16:creationId xmlns:a16="http://schemas.microsoft.com/office/drawing/2014/main" xmlns="" id="{30BCC1FC-7DB7-30F3-41C1-2AEFF95265FC}"/>
+                  <a16:creationId xmlns="" xmlns:a16="http://schemas.microsoft.com/office/drawing/2014/main" id="{30BCC1FC-7DB7-30F3-41C1-2AEFF95265FC}"/>
                 </a:ext>
               </a:extLst>
             </p:cNvPr>
@@ -5353,7 +5370,7 @@
             <p:cNvPr id="89" name="Picture 16" descr="Protecting Data in Google BigQuery Native Tables (part 1)">
               <a:extLst>
                 <a:ext uri="{FF2B5EF4-FFF2-40B4-BE49-F238E27FC236}">
-                  <a16:creationId xmlns:a16="http://schemas.microsoft.com/office/drawing/2014/main" xmlns="" id="{570D872E-BBE2-4CDF-21BC-AA8A069437F6}"/>
+                  <a16:creationId xmlns="" xmlns:a16="http://schemas.microsoft.com/office/drawing/2014/main" id="{570D872E-BBE2-4CDF-21BC-AA8A069437F6}"/>
                 </a:ext>
               </a:extLst>
             </p:cNvPr>
@@ -5398,7 +5415,7 @@
             <p:cNvPr id="90" name="TextBox 89">
               <a:extLst>
                 <a:ext uri="{FF2B5EF4-FFF2-40B4-BE49-F238E27FC236}">
-                  <a16:creationId xmlns:a16="http://schemas.microsoft.com/office/drawing/2014/main" xmlns="" id="{30BCC1FC-7DB7-30F3-41C1-2AEFF95265FC}"/>
+                  <a16:creationId xmlns="" xmlns:a16="http://schemas.microsoft.com/office/drawing/2014/main" id="{30BCC1FC-7DB7-30F3-41C1-2AEFF95265FC}"/>
                 </a:ext>
               </a:extLst>
             </p:cNvPr>
@@ -5469,7 +5486,7 @@
         <p:cNvPr id="1" name="">
           <a:extLst>
             <a:ext uri="{FF2B5EF4-FFF2-40B4-BE49-F238E27FC236}">
-              <a16:creationId xmlns:a16="http://schemas.microsoft.com/office/drawing/2014/main" xmlns="" id="{BB5F794E-283C-A899-9161-38C368F683B8}"/>
+              <a16:creationId xmlns="" xmlns:a16="http://schemas.microsoft.com/office/drawing/2014/main" id="{BB5F794E-283C-A899-9161-38C368F683B8}"/>
             </a:ext>
           </a:extLst>
         </p:cNvPr>
@@ -5489,7 +5506,7 @@
           <p:cNvPr id="2" name="TextBox 1">
             <a:extLst>
               <a:ext uri="{FF2B5EF4-FFF2-40B4-BE49-F238E27FC236}">
-                <a16:creationId xmlns:a16="http://schemas.microsoft.com/office/drawing/2014/main" xmlns="" id="{C7F6BC02-2E76-C5F3-4FF7-F7D6EE807D64}"/>
+                <a16:creationId xmlns="" xmlns:a16="http://schemas.microsoft.com/office/drawing/2014/main" id="{C7F6BC02-2E76-C5F3-4FF7-F7D6EE807D64}"/>
               </a:ext>
             </a:extLst>
           </p:cNvPr>
@@ -5535,209 +5552,6 @@
           </a:p>
         </p:txBody>
       </p:sp>
-      <p:grpSp>
-        <p:nvGrpSpPr>
-          <p:cNvPr id="40" name="그룹 39">
-            <a:extLst>
-              <a:ext uri="{FF2B5EF4-FFF2-40B4-BE49-F238E27FC236}">
-                <a16:creationId xmlns:a16="http://schemas.microsoft.com/office/drawing/2014/main" xmlns="" id="{7586CAB3-4E8E-E112-BEE5-03316043A557}"/>
-              </a:ext>
-            </a:extLst>
-          </p:cNvPr>
-          <p:cNvGrpSpPr/>
-          <p:nvPr/>
-        </p:nvGrpSpPr>
-        <p:grpSpPr>
-          <a:xfrm>
-            <a:off x="-3623544" y="1642193"/>
-            <a:ext cx="3271946" cy="2617546"/>
-            <a:chOff x="11998032" y="3393044"/>
-            <a:chExt cx="3663944" cy="2931143"/>
-          </a:xfrm>
-        </p:grpSpPr>
-        <p:pic>
-          <p:nvPicPr>
-            <p:cNvPr id="41" name="Picture 6" descr="https://img.notionusercontent.com/s3/prod-files-secure%2Fa8564cf8-629e-45ec-bf9f-d59eddd4f436%2F7035608b-d620-43fc-a1e0-d812455c3157%2Fimage.png/size/w=2000?exp=1745309153&amp;sig=qWFFRI0-3mBJLs8oduhmwg072VfvmDRUgAuTNBlhLyI&amp;id=1ddd7f3a-d91c-80cc-95a1-dbd7a570b293&amp;table=block&amp;userId=9fe104dc-aaa9-4171-91a8-d50f41283e01">
-              <a:extLst>
-                <a:ext uri="{FF2B5EF4-FFF2-40B4-BE49-F238E27FC236}">
-                  <a16:creationId xmlns:a16="http://schemas.microsoft.com/office/drawing/2014/main" xmlns="" id="{6FA34002-2F7F-8DB2-8114-D2F8ECC12E80}"/>
-                </a:ext>
-              </a:extLst>
-            </p:cNvPr>
-            <p:cNvPicPr>
-              <a:picLocks noChangeAspect="1" noChangeArrowheads="1"/>
-            </p:cNvPicPr>
-            <p:nvPr/>
-          </p:nvPicPr>
-          <p:blipFill rotWithShape="1">
-            <a:blip r:embed="rId3">
-              <a:extLst>
-                <a:ext uri="{28A0092B-C50C-407E-A947-70E740481C1C}">
-                  <a14:useLocalDpi xmlns:a14="http://schemas.microsoft.com/office/drawing/2010/main" val="0"/>
-                </a:ext>
-              </a:extLst>
-            </a:blip>
-            <a:srcRect l="23417" r="23783"/>
-            <a:stretch/>
-          </p:blipFill>
-          <p:spPr bwMode="auto">
-            <a:xfrm>
-              <a:off x="12889634" y="3393044"/>
-              <a:ext cx="1887219" cy="2010532"/>
-            </a:xfrm>
-            <a:prstGeom prst="rect">
-              <a:avLst/>
-            </a:prstGeom>
-            <a:noFill/>
-            <a:extLst>
-              <a:ext uri="{909E8E84-426E-40DD-AFC4-6F175D3DCCD1}">
-                <a14:hiddenFill xmlns:a14="http://schemas.microsoft.com/office/drawing/2010/main">
-                  <a:solidFill>
-                    <a:srgbClr val="FFFFFF"/>
-                  </a:solidFill>
-                </a14:hiddenFill>
-              </a:ext>
-            </a:extLst>
-          </p:spPr>
-        </p:pic>
-        <p:pic>
-          <p:nvPicPr>
-            <p:cNvPr id="42" name="Picture 16" descr="Protecting Data in Google BigQuery Native Tables (part 1)">
-              <a:extLst>
-                <a:ext uri="{FF2B5EF4-FFF2-40B4-BE49-F238E27FC236}">
-                  <a16:creationId xmlns:a16="http://schemas.microsoft.com/office/drawing/2014/main" xmlns="" id="{570D872E-BBE2-4CDF-21BC-AA8A069437F6}"/>
-                </a:ext>
-              </a:extLst>
-            </p:cNvPr>
-            <p:cNvPicPr>
-              <a:picLocks noChangeAspect="1" noChangeArrowheads="1"/>
-            </p:cNvPicPr>
-            <p:nvPr/>
-          </p:nvPicPr>
-          <p:blipFill rotWithShape="1">
-            <a:blip r:embed="rId4">
-              <a:extLst>
-                <a:ext uri="{28A0092B-C50C-407E-A947-70E740481C1C}">
-                  <a14:useLocalDpi xmlns:a14="http://schemas.microsoft.com/office/drawing/2010/main" val="0"/>
-                </a:ext>
-              </a:extLst>
-            </a:blip>
-            <a:srcRect l="21040" t="23564" r="20496" b="25302"/>
-            <a:stretch/>
-          </p:blipFill>
-          <p:spPr bwMode="auto">
-            <a:xfrm>
-              <a:off x="14581976" y="5370264"/>
-              <a:ext cx="1080000" cy="944617"/>
-            </a:xfrm>
-            <a:prstGeom prst="rect">
-              <a:avLst/>
-            </a:prstGeom>
-            <a:noFill/>
-            <a:extLst>
-              <a:ext uri="{909E8E84-426E-40DD-AFC4-6F175D3DCCD1}">
-                <a14:hiddenFill xmlns:a14="http://schemas.microsoft.com/office/drawing/2010/main">
-                  <a:solidFill>
-                    <a:srgbClr val="FFFFFF"/>
-                  </a:solidFill>
-                </a14:hiddenFill>
-              </a:ext>
-            </a:extLst>
-          </p:spPr>
-        </p:pic>
-        <p:pic>
-          <p:nvPicPr>
-            <p:cNvPr id="43" name="Picture 18" descr="https://img.notionusercontent.com/s3/prod-files-secure%2Fa8564cf8-629e-45ec-bf9f-d59eddd4f436%2F7d2f366a-1441-4aa6-9c89-6f2426028b1f%2Fimage.png/size/w=2000?exp=1745309229&amp;sig=4003VoPa4G-DhVz_aWocSobAGtzt67cLoDSG4TIYYL0&amp;id=1ddd7f3a-d91c-80ba-bc8c-f1c0af706b41&amp;table=block&amp;userId=9fe104dc-aaa9-4171-91a8-d50f41283e01">
-              <a:extLst>
-                <a:ext uri="{FF2B5EF4-FFF2-40B4-BE49-F238E27FC236}">
-                  <a16:creationId xmlns:a16="http://schemas.microsoft.com/office/drawing/2014/main" xmlns="" id="{6EC30EDD-9A90-C084-B8F8-7108E7468C04}"/>
-                </a:ext>
-              </a:extLst>
-            </p:cNvPr>
-            <p:cNvPicPr>
-              <a:picLocks noChangeAspect="1" noChangeArrowheads="1"/>
-            </p:cNvPicPr>
-            <p:nvPr/>
-          </p:nvPicPr>
-          <p:blipFill rotWithShape="1">
-            <a:blip r:embed="rId5">
-              <a:extLst>
-                <a:ext uri="{28A0092B-C50C-407E-A947-70E740481C1C}">
-                  <a14:useLocalDpi xmlns:a14="http://schemas.microsoft.com/office/drawing/2010/main" val="0"/>
-                </a:ext>
-              </a:extLst>
-            </a:blip>
-            <a:srcRect t="4432" b="4943"/>
-            <a:stretch/>
-          </p:blipFill>
-          <p:spPr bwMode="auto">
-            <a:xfrm>
-              <a:off x="11998032" y="5403576"/>
-              <a:ext cx="1080000" cy="920611"/>
-            </a:xfrm>
-            <a:prstGeom prst="rect">
-              <a:avLst/>
-            </a:prstGeom>
-            <a:noFill/>
-            <a:extLst>
-              <a:ext uri="{909E8E84-426E-40DD-AFC4-6F175D3DCCD1}">
-                <a14:hiddenFill xmlns:a14="http://schemas.microsoft.com/office/drawing/2010/main">
-                  <a:solidFill>
-                    <a:srgbClr val="FFFFFF"/>
-                  </a:solidFill>
-                </a14:hiddenFill>
-              </a:ext>
-            </a:extLst>
-          </p:spPr>
-        </p:pic>
-        <p:pic>
-          <p:nvPicPr>
-            <p:cNvPr id="44" name="Picture 20" descr="https://img.notionusercontent.com/s3/prod-files-secure%2Fa8564cf8-629e-45ec-bf9f-d59eddd4f436%2F2170c74d-deae-40fd-9103-67b62eef7f8b%2Fimage.png/size/w=2000?exp=1745309238&amp;sig=82vUtX0CzksuiCqAtYdzSiCSTpVA0SLgov3goFUuvJo&amp;id=1ddd7f3a-d91c-8046-b525-f262ef9b1fbf&amp;table=block&amp;userId=9fe104dc-aaa9-4171-91a8-d50f41283e01">
-              <a:extLst>
-                <a:ext uri="{FF2B5EF4-FFF2-40B4-BE49-F238E27FC236}">
-                  <a16:creationId xmlns:a16="http://schemas.microsoft.com/office/drawing/2014/main" xmlns="" id="{5C1BBEC8-4EFA-DEDB-4437-BF3E37D5B2B7}"/>
-                </a:ext>
-              </a:extLst>
-            </p:cNvPr>
-            <p:cNvPicPr>
-              <a:picLocks noChangeAspect="1" noChangeArrowheads="1"/>
-            </p:cNvPicPr>
-            <p:nvPr/>
-          </p:nvPicPr>
-          <p:blipFill>
-            <a:blip r:embed="rId6">
-              <a:extLst>
-                <a:ext uri="{28A0092B-C50C-407E-A947-70E740481C1C}">
-                  <a14:useLocalDpi xmlns:a14="http://schemas.microsoft.com/office/drawing/2010/main" val="0"/>
-                </a:ext>
-              </a:extLst>
-            </a:blip>
-            <a:srcRect/>
-            <a:stretch>
-              <a:fillRect/>
-            </a:stretch>
-          </p:blipFill>
-          <p:spPr bwMode="auto">
-            <a:xfrm>
-              <a:off x="13328104" y="5368714"/>
-              <a:ext cx="1080000" cy="946167"/>
-            </a:xfrm>
-            <a:prstGeom prst="rect">
-              <a:avLst/>
-            </a:prstGeom>
-            <a:noFill/>
-            <a:extLst>
-              <a:ext uri="{909E8E84-426E-40DD-AFC4-6F175D3DCCD1}">
-                <a14:hiddenFill xmlns:a14="http://schemas.microsoft.com/office/drawing/2010/main">
-                  <a:solidFill>
-                    <a:srgbClr val="FFFFFF"/>
-                  </a:solidFill>
-                </a14:hiddenFill>
-              </a:ext>
-            </a:extLst>
-          </p:spPr>
-        </p:pic>
-      </p:grpSp>
       <p:pic>
         <p:nvPicPr>
           <p:cNvPr id="55" name="Picture 2" descr="Developer - Free people icons"/>
@@ -5747,7 +5561,7 @@
           <p:nvPr/>
         </p:nvPicPr>
         <p:blipFill>
-          <a:blip r:embed="rId7">
+          <a:blip r:embed="rId3">
             <a:extLst>
               <a:ext uri="{28A0092B-C50C-407E-A947-70E740481C1C}">
                 <a14:useLocalDpi xmlns:a14="http://schemas.microsoft.com/office/drawing/2010/main" val="0"/>
@@ -5788,7 +5602,7 @@
           <p:nvPr/>
         </p:nvPicPr>
         <p:blipFill>
-          <a:blip r:embed="rId8">
+          <a:blip r:embed="rId4">
             <a:extLst>
               <a:ext uri="{28A0092B-C50C-407E-A947-70E740481C1C}">
                 <a14:useLocalDpi xmlns:a14="http://schemas.microsoft.com/office/drawing/2010/main" val="0"/>
@@ -5839,7 +5653,7 @@
             <p:cNvPr id="68" name="직선 화살표 연결선 67">
               <a:extLst>
                 <a:ext uri="{FF2B5EF4-FFF2-40B4-BE49-F238E27FC236}">
-                  <a16:creationId xmlns:a16="http://schemas.microsoft.com/office/drawing/2014/main" xmlns="" id="{1AAEFB2E-9455-AFCB-B8DD-23409E8C12B3}"/>
+                  <a16:creationId xmlns="" xmlns:a16="http://schemas.microsoft.com/office/drawing/2014/main" id="{1AAEFB2E-9455-AFCB-B8DD-23409E8C12B3}"/>
                 </a:ext>
               </a:extLst>
             </p:cNvPr>
@@ -5878,7 +5692,7 @@
             <p:cNvPr id="71" name="TextBox 70">
               <a:extLst>
                 <a:ext uri="{FF2B5EF4-FFF2-40B4-BE49-F238E27FC236}">
-                  <a16:creationId xmlns:a16="http://schemas.microsoft.com/office/drawing/2014/main" xmlns="" id="{30BCC1FC-7DB7-30F3-41C1-2AEFF95265FC}"/>
+                  <a16:creationId xmlns="" xmlns:a16="http://schemas.microsoft.com/office/drawing/2014/main" id="{30BCC1FC-7DB7-30F3-41C1-2AEFF95265FC}"/>
                 </a:ext>
               </a:extLst>
             </p:cNvPr>
@@ -5992,7 +5806,7 @@
               <p:cNvPr id="72" name="TextBox 71">
                 <a:extLst>
                   <a:ext uri="{FF2B5EF4-FFF2-40B4-BE49-F238E27FC236}">
-                    <a16:creationId xmlns:a16="http://schemas.microsoft.com/office/drawing/2014/main" xmlns="" id="{30BCC1FC-7DB7-30F3-41C1-2AEFF95265FC}"/>
+                    <a16:creationId xmlns="" xmlns:a16="http://schemas.microsoft.com/office/drawing/2014/main" id="{30BCC1FC-7DB7-30F3-41C1-2AEFF95265FC}"/>
                   </a:ext>
                 </a:extLst>
               </p:cNvPr>
@@ -6111,7 +5925,7 @@
               <p:nvPr/>
             </p:nvPicPr>
             <p:blipFill>
-              <a:blip r:embed="rId9">
+              <a:blip r:embed="rId6">
                 <a:extLst>
                   <a:ext uri="{28A0092B-C50C-407E-A947-70E740481C1C}">
                     <a14:useLocalDpi xmlns:a14="http://schemas.microsoft.com/office/drawing/2010/main" val="0"/>
@@ -6168,11 +5982,11 @@
             <p:nvPr/>
           </p:nvPicPr>
           <p:blipFill>
-            <a:blip r:embed="rId10">
+            <a:blip r:embed="rId7">
               <a:extLst>
                 <a:ext uri="{BEBA8EAE-BF5A-486C-A8C5-ECC9F3942E4B}">
                   <a14:imgProps xmlns:a14="http://schemas.microsoft.com/office/drawing/2010/main">
-                    <a14:imgLayer r:embed="rId11">
+                    <a14:imgLayer r:embed="rId8">
                       <a14:imgEffect>
                         <a14:backgroundRemoval t="10000" b="90000" l="10000" r="90000"/>
                       </a14:imgEffect>
@@ -6214,7 +6028,7 @@
             <p:cNvPr id="76" name="직선 화살표 연결선 75">
               <a:extLst>
                 <a:ext uri="{FF2B5EF4-FFF2-40B4-BE49-F238E27FC236}">
-                  <a16:creationId xmlns:a16="http://schemas.microsoft.com/office/drawing/2014/main" xmlns="" id="{1AAEFB2E-9455-AFCB-B8DD-23409E8C12B3}"/>
+                  <a16:creationId xmlns="" xmlns:a16="http://schemas.microsoft.com/office/drawing/2014/main" id="{1AAEFB2E-9455-AFCB-B8DD-23409E8C12B3}"/>
                 </a:ext>
               </a:extLst>
             </p:cNvPr>
@@ -6268,7 +6082,7 @@
             <p:cNvPr id="88" name="직선 화살표 연결선 87">
               <a:extLst>
                 <a:ext uri="{FF2B5EF4-FFF2-40B4-BE49-F238E27FC236}">
-                  <a16:creationId xmlns:a16="http://schemas.microsoft.com/office/drawing/2014/main" xmlns="" id="{1AAEFB2E-9455-AFCB-B8DD-23409E8C12B3}"/>
+                  <a16:creationId xmlns="" xmlns:a16="http://schemas.microsoft.com/office/drawing/2014/main" id="{1AAEFB2E-9455-AFCB-B8DD-23409E8C12B3}"/>
                 </a:ext>
               </a:extLst>
             </p:cNvPr>
@@ -6307,7 +6121,7 @@
             <p:cNvPr id="89" name="TextBox 88">
               <a:extLst>
                 <a:ext uri="{FF2B5EF4-FFF2-40B4-BE49-F238E27FC236}">
-                  <a16:creationId xmlns:a16="http://schemas.microsoft.com/office/drawing/2014/main" xmlns="" id="{30BCC1FC-7DB7-30F3-41C1-2AEFF95265FC}"/>
+                  <a16:creationId xmlns="" xmlns:a16="http://schemas.microsoft.com/office/drawing/2014/main" id="{30BCC1FC-7DB7-30F3-41C1-2AEFF95265FC}"/>
                 </a:ext>
               </a:extLst>
             </p:cNvPr>
@@ -6382,7 +6196,7 @@
             <p:cNvPr id="99" name="Picture 16" descr="Protecting Data in Google BigQuery Native Tables (part 1)">
               <a:extLst>
                 <a:ext uri="{FF2B5EF4-FFF2-40B4-BE49-F238E27FC236}">
-                  <a16:creationId xmlns:a16="http://schemas.microsoft.com/office/drawing/2014/main" xmlns="" id="{570D872E-BBE2-4CDF-21BC-AA8A069437F6}"/>
+                  <a16:creationId xmlns="" xmlns:a16="http://schemas.microsoft.com/office/drawing/2014/main" id="{570D872E-BBE2-4CDF-21BC-AA8A069437F6}"/>
                 </a:ext>
               </a:extLst>
             </p:cNvPr>
@@ -6392,7 +6206,7 @@
             <p:nvPr/>
           </p:nvPicPr>
           <p:blipFill rotWithShape="1">
-            <a:blip r:embed="rId4">
+            <a:blip r:embed="rId9">
               <a:extLst>
                 <a:ext uri="{28A0092B-C50C-407E-A947-70E740481C1C}">
                   <a14:useLocalDpi xmlns:a14="http://schemas.microsoft.com/office/drawing/2010/main" val="0"/>
@@ -6427,7 +6241,7 @@
             <p:cNvPr id="100" name="TextBox 99">
               <a:extLst>
                 <a:ext uri="{FF2B5EF4-FFF2-40B4-BE49-F238E27FC236}">
-                  <a16:creationId xmlns:a16="http://schemas.microsoft.com/office/drawing/2014/main" xmlns="" id="{30BCC1FC-7DB7-30F3-41C1-2AEFF95265FC}"/>
+                  <a16:creationId xmlns="" xmlns:a16="http://schemas.microsoft.com/office/drawing/2014/main" id="{30BCC1FC-7DB7-30F3-41C1-2AEFF95265FC}"/>
                 </a:ext>
               </a:extLst>
             </p:cNvPr>
@@ -6489,7 +6303,7 @@
             <p:cNvPr id="14" name="TextBox 13">
               <a:extLst>
                 <a:ext uri="{FF2B5EF4-FFF2-40B4-BE49-F238E27FC236}">
-                  <a16:creationId xmlns:a16="http://schemas.microsoft.com/office/drawing/2014/main" xmlns="" id="{CFCB4909-E6A8-74EB-3BCE-A07ED746715A}"/>
+                  <a16:creationId xmlns="" xmlns:a16="http://schemas.microsoft.com/office/drawing/2014/main" id="{CFCB4909-E6A8-74EB-3BCE-A07ED746715A}"/>
                 </a:ext>
               </a:extLst>
             </p:cNvPr>
@@ -6890,7 +6704,7 @@
               <p:cNvPr id="102" name="TextBox 101">
                 <a:extLst>
                   <a:ext uri="{FF2B5EF4-FFF2-40B4-BE49-F238E27FC236}">
-                    <a16:creationId xmlns:a16="http://schemas.microsoft.com/office/drawing/2014/main" xmlns="" id="{77CB7E9A-C0C7-E141-D691-0AD3C63854B5}"/>
+                    <a16:creationId xmlns="" xmlns:a16="http://schemas.microsoft.com/office/drawing/2014/main" id="{77CB7E9A-C0C7-E141-D691-0AD3C63854B5}"/>
                   </a:ext>
                 </a:extLst>
               </p:cNvPr>
@@ -6934,7 +6748,7 @@
               <p:cNvPr id="103" name="직사각형 102">
                 <a:extLst>
                   <a:ext uri="{FF2B5EF4-FFF2-40B4-BE49-F238E27FC236}">
-                    <a16:creationId xmlns:a16="http://schemas.microsoft.com/office/drawing/2014/main" xmlns="" id="{15780B38-3605-618F-91B0-07D654B49D4D}"/>
+                    <a16:creationId xmlns="" xmlns:a16="http://schemas.microsoft.com/office/drawing/2014/main" id="{15780B38-3605-618F-91B0-07D654B49D4D}"/>
                   </a:ext>
                 </a:extLst>
               </p:cNvPr>
@@ -7060,7 +6874,7 @@
               <p:nvPr/>
             </p:nvPicPr>
             <p:blipFill>
-              <a:blip r:embed="rId6">
+              <a:blip r:embed="rId10">
                 <a:extLst>
                   <a:ext uri="{28A0092B-C50C-407E-A947-70E740481C1C}">
                     <a14:useLocalDpi xmlns:a14="http://schemas.microsoft.com/office/drawing/2010/main" val="0"/>
@@ -7101,7 +6915,7 @@
               <p:nvPr/>
             </p:nvPicPr>
             <p:blipFill>
-              <a:blip r:embed="rId12">
+              <a:blip r:embed="rId11">
                 <a:extLst>
                   <a:ext uri="{28A0092B-C50C-407E-A947-70E740481C1C}">
                     <a14:useLocalDpi xmlns:a14="http://schemas.microsoft.com/office/drawing/2010/main" val="0"/>
@@ -7139,7 +6953,7 @@
             <p:cNvPr id="105" name="TextBox 104">
               <a:extLst>
                 <a:ext uri="{FF2B5EF4-FFF2-40B4-BE49-F238E27FC236}">
-                  <a16:creationId xmlns:a16="http://schemas.microsoft.com/office/drawing/2014/main" xmlns="" id="{30BCC1FC-7DB7-30F3-41C1-2AEFF95265FC}"/>
+                  <a16:creationId xmlns="" xmlns:a16="http://schemas.microsoft.com/office/drawing/2014/main" id="{30BCC1FC-7DB7-30F3-41C1-2AEFF95265FC}"/>
                 </a:ext>
               </a:extLst>
             </p:cNvPr>
@@ -7201,7 +7015,7 @@
             <p:cNvPr id="107" name="직선 화살표 연결선 106">
               <a:extLst>
                 <a:ext uri="{FF2B5EF4-FFF2-40B4-BE49-F238E27FC236}">
-                  <a16:creationId xmlns:a16="http://schemas.microsoft.com/office/drawing/2014/main" xmlns="" id="{1AAEFB2E-9455-AFCB-B8DD-23409E8C12B3}"/>
+                  <a16:creationId xmlns="" xmlns:a16="http://schemas.microsoft.com/office/drawing/2014/main" id="{1AAEFB2E-9455-AFCB-B8DD-23409E8C12B3}"/>
                 </a:ext>
               </a:extLst>
             </p:cNvPr>
@@ -7240,7 +7054,7 @@
             <p:cNvPr id="108" name="TextBox 107">
               <a:extLst>
                 <a:ext uri="{FF2B5EF4-FFF2-40B4-BE49-F238E27FC236}">
-                  <a16:creationId xmlns:a16="http://schemas.microsoft.com/office/drawing/2014/main" xmlns="" id="{30BCC1FC-7DB7-30F3-41C1-2AEFF95265FC}"/>
+                  <a16:creationId xmlns="" xmlns:a16="http://schemas.microsoft.com/office/drawing/2014/main" id="{30BCC1FC-7DB7-30F3-41C1-2AEFF95265FC}"/>
                 </a:ext>
               </a:extLst>
             </p:cNvPr>
@@ -7287,7 +7101,7 @@
           <p:cNvPr id="110" name="직선 화살표 연결선 109">
             <a:extLst>
               <a:ext uri="{FF2B5EF4-FFF2-40B4-BE49-F238E27FC236}">
-                <a16:creationId xmlns:a16="http://schemas.microsoft.com/office/drawing/2014/main" xmlns="" id="{1AAEFB2E-9455-AFCB-B8DD-23409E8C12B3}"/>
+                <a16:creationId xmlns="" xmlns:a16="http://schemas.microsoft.com/office/drawing/2014/main" id="{1AAEFB2E-9455-AFCB-B8DD-23409E8C12B3}"/>
               </a:ext>
             </a:extLst>
           </p:cNvPr>
@@ -7326,7 +7140,7 @@
           <p:cNvPr id="111" name="TextBox 110">
             <a:extLst>
               <a:ext uri="{FF2B5EF4-FFF2-40B4-BE49-F238E27FC236}">
-                <a16:creationId xmlns:a16="http://schemas.microsoft.com/office/drawing/2014/main" xmlns="" id="{30BCC1FC-7DB7-30F3-41C1-2AEFF95265FC}"/>
+                <a16:creationId xmlns="" xmlns:a16="http://schemas.microsoft.com/office/drawing/2014/main" id="{30BCC1FC-7DB7-30F3-41C1-2AEFF95265FC}"/>
               </a:ext>
             </a:extLst>
           </p:cNvPr>
@@ -7400,7 +7214,7 @@
             <p:cNvPr id="112" name="직선 화살표 연결선 111">
               <a:extLst>
                 <a:ext uri="{FF2B5EF4-FFF2-40B4-BE49-F238E27FC236}">
-                  <a16:creationId xmlns:a16="http://schemas.microsoft.com/office/drawing/2014/main" xmlns="" id="{1AAEFB2E-9455-AFCB-B8DD-23409E8C12B3}"/>
+                  <a16:creationId xmlns="" xmlns:a16="http://schemas.microsoft.com/office/drawing/2014/main" id="{1AAEFB2E-9455-AFCB-B8DD-23409E8C12B3}"/>
                 </a:ext>
               </a:extLst>
             </p:cNvPr>
@@ -7439,7 +7253,7 @@
             <p:cNvPr id="113" name="TextBox 112">
               <a:extLst>
                 <a:ext uri="{FF2B5EF4-FFF2-40B4-BE49-F238E27FC236}">
-                  <a16:creationId xmlns:a16="http://schemas.microsoft.com/office/drawing/2014/main" xmlns="" id="{30BCC1FC-7DB7-30F3-41C1-2AEFF95265FC}"/>
+                  <a16:creationId xmlns="" xmlns:a16="http://schemas.microsoft.com/office/drawing/2014/main" id="{30BCC1FC-7DB7-30F3-41C1-2AEFF95265FC}"/>
                 </a:ext>
               </a:extLst>
             </p:cNvPr>
@@ -7511,7 +7325,7 @@
             <p:nvPr/>
           </p:nvPicPr>
           <p:blipFill>
-            <a:blip r:embed="rId13">
+            <a:blip r:embed="rId12">
               <a:extLst>
                 <a:ext uri="{28A0092B-C50C-407E-A947-70E740481C1C}">
                   <a14:useLocalDpi xmlns:a14="http://schemas.microsoft.com/office/drawing/2010/main" val="0"/>
@@ -7548,7 +7362,7 @@
             <p:cNvPr id="119" name="TextBox 118">
               <a:extLst>
                 <a:ext uri="{FF2B5EF4-FFF2-40B4-BE49-F238E27FC236}">
-                  <a16:creationId xmlns:a16="http://schemas.microsoft.com/office/drawing/2014/main" xmlns="" id="{30BCC1FC-7DB7-30F3-41C1-2AEFF95265FC}"/>
+                  <a16:creationId xmlns="" xmlns:a16="http://schemas.microsoft.com/office/drawing/2014/main" id="{30BCC1FC-7DB7-30F3-41C1-2AEFF95265FC}"/>
                 </a:ext>
               </a:extLst>
             </p:cNvPr>
@@ -7881,7 +7695,7 @@
               <p:cNvPr id="24" name="TextBox 23">
                 <a:extLst>
                   <a:ext uri="{FF2B5EF4-FFF2-40B4-BE49-F238E27FC236}">
-                    <a16:creationId xmlns:a16="http://schemas.microsoft.com/office/drawing/2014/main" xmlns="" id="{77CB7E9A-C0C7-E141-D691-0AD3C63854B5}"/>
+                    <a16:creationId xmlns="" xmlns:a16="http://schemas.microsoft.com/office/drawing/2014/main" id="{77CB7E9A-C0C7-E141-D691-0AD3C63854B5}"/>
                   </a:ext>
                 </a:extLst>
               </p:cNvPr>
@@ -7925,7 +7739,7 @@
               <p:cNvPr id="25" name="직사각형 24">
                 <a:extLst>
                   <a:ext uri="{FF2B5EF4-FFF2-40B4-BE49-F238E27FC236}">
-                    <a16:creationId xmlns:a16="http://schemas.microsoft.com/office/drawing/2014/main" xmlns="" id="{15780B38-3605-618F-91B0-07D654B49D4D}"/>
+                    <a16:creationId xmlns="" xmlns:a16="http://schemas.microsoft.com/office/drawing/2014/main" id="{15780B38-3605-618F-91B0-07D654B49D4D}"/>
                   </a:ext>
                 </a:extLst>
               </p:cNvPr>
@@ -8019,7 +7833,7 @@
           <p:cNvPr id="26" name="TextBox 25">
             <a:extLst>
               <a:ext uri="{FF2B5EF4-FFF2-40B4-BE49-F238E27FC236}">
-                <a16:creationId xmlns:a16="http://schemas.microsoft.com/office/drawing/2014/main" xmlns="" id="{C7F6BC02-2E76-C5F3-4FF7-F7D6EE807D64}"/>
+                <a16:creationId xmlns="" xmlns:a16="http://schemas.microsoft.com/office/drawing/2014/main" id="{C7F6BC02-2E76-C5F3-4FF7-F7D6EE807D64}"/>
               </a:ext>
             </a:extLst>
           </p:cNvPr>
@@ -8212,7 +8026,7 @@
         <p:spPr>
           <a:xfrm>
             <a:off x="1224280" y="5322905"/>
-            <a:ext cx="4934711" cy="954107"/>
+            <a:ext cx="4934711" cy="1231106"/>
           </a:xfrm>
           <a:prstGeom prst="rect">
             <a:avLst/>
@@ -8266,7 +8080,7 @@
                 <a:latin typeface="LG Smart UI Regular" panose="020B0500000101010101" pitchFamily="50" charset="-127"/>
                 <a:ea typeface="LG Smart UI Regular" panose="020B0500000101010101" pitchFamily="50" charset="-127"/>
               </a:rPr>
-              <a:t>coropleth</a:t>
+              <a:t>choropleth</a:t>
             </a:r>
             <a:r>
               <a:rPr lang="ko-KR" altLang="en-US" smtClean="0">
@@ -8462,7 +8276,7 @@
           <p:cNvPr id="6" name="TextBox 5">
             <a:extLst>
               <a:ext uri="{FF2B5EF4-FFF2-40B4-BE49-F238E27FC236}">
-                <a16:creationId xmlns:a16="http://schemas.microsoft.com/office/drawing/2014/main" xmlns="" id="{77CB7E9A-C0C7-E141-D691-0AD3C63854B5}"/>
+                <a16:creationId xmlns="" xmlns:a16="http://schemas.microsoft.com/office/drawing/2014/main" id="{77CB7E9A-C0C7-E141-D691-0AD3C63854B5}"/>
               </a:ext>
             </a:extLst>
           </p:cNvPr>
@@ -8758,7 +8572,7 @@
           <p:cNvPr id="3" name="TextBox 2">
             <a:extLst>
               <a:ext uri="{FF2B5EF4-FFF2-40B4-BE49-F238E27FC236}">
-                <a16:creationId xmlns:a16="http://schemas.microsoft.com/office/drawing/2014/main" xmlns="" id="{9A8E7EC2-189F-4A8A-92DC-39EA60EECBEF}"/>
+                <a16:creationId xmlns="" xmlns:a16="http://schemas.microsoft.com/office/drawing/2014/main" id="{9A8E7EC2-189F-4A8A-92DC-39EA60EECBEF}"/>
               </a:ext>
             </a:extLst>
           </p:cNvPr>
@@ -9740,7 +9554,7 @@
           <p:cNvPr id="7" name="TextBox 6">
             <a:extLst>
               <a:ext uri="{FF2B5EF4-FFF2-40B4-BE49-F238E27FC236}">
-                <a16:creationId xmlns:a16="http://schemas.microsoft.com/office/drawing/2014/main" xmlns="" id="{F94D0D68-9E64-95BE-6739-0008CC6E5C69}"/>
+                <a16:creationId xmlns="" xmlns:a16="http://schemas.microsoft.com/office/drawing/2014/main" id="{F94D0D68-9E64-95BE-6739-0008CC6E5C69}"/>
               </a:ext>
             </a:extLst>
           </p:cNvPr>
@@ -10146,14 +9960,7 @@
                   <a:latin typeface="LG Smart UI Light" panose="020B0300000101010101" pitchFamily="50" charset="-127"/>
                   <a:ea typeface="LG Smart UI Light" panose="020B0300000101010101" pitchFamily="50" charset="-127"/>
                 </a:rPr>
-                <a:t>를 체계적으로 배울 </a:t>
-              </a:r>
-              <a:r>
-                <a:rPr lang="ko-KR" altLang="en-US">
-                  <a:latin typeface="LG Smart UI Light" panose="020B0300000101010101" pitchFamily="50" charset="-127"/>
-                  <a:ea typeface="LG Smart UI Light" panose="020B0300000101010101" pitchFamily="50" charset="-127"/>
-                </a:rPr>
-                <a:t>수 </a:t>
+                <a:t>를 체계적으로 배울 수 </a:t>
               </a:r>
               <a:r>
                 <a:rPr lang="ko-KR" altLang="en-US" smtClean="0">
@@ -10188,14 +9995,7 @@
                   <a:latin typeface="LG Smart UI Light" panose="020B0300000101010101" pitchFamily="50" charset="-127"/>
                   <a:ea typeface="LG Smart UI Light" panose="020B0300000101010101" pitchFamily="50" charset="-127"/>
                 </a:rPr>
-                <a:t>와 현업 </a:t>
-              </a:r>
-              <a:r>
-                <a:rPr lang="ko-KR" altLang="en-US">
-                  <a:latin typeface="LG Smart UI Light" panose="020B0300000101010101" pitchFamily="50" charset="-127"/>
-                  <a:ea typeface="LG Smart UI Light" panose="020B0300000101010101" pitchFamily="50" charset="-127"/>
-                </a:rPr>
-                <a:t>업무에 </a:t>
+                <a:t>와 현업 업무에 </a:t>
               </a:r>
               <a:r>
                 <a:rPr lang="ko-KR" altLang="en-US" smtClean="0">
@@ -10919,15 +10719,32 @@
           <a:lstStyle/>
           <a:p>
             <a:r>
-              <a:rPr lang="ko-KR" altLang="en-US" sz="3600" b="1" dirty="0">
+              <a:rPr lang="ko-KR" altLang="en-US" sz="3600" b="1">
                 <a:solidFill>
                   <a:schemeClr val="bg1"/>
                 </a:solidFill>
                 <a:latin typeface="LG Smart UI Bold" panose="020B0800000101010101" pitchFamily="50" charset="-127"/>
                 <a:ea typeface="LG Smart UI Bold" panose="020B0800000101010101" pitchFamily="50" charset="-127"/>
               </a:rPr>
-              <a:t>프로젝트 중간보고서</a:t>
-            </a:r>
+              <a:t>프로젝트 </a:t>
+            </a:r>
+            <a:r>
+              <a:rPr lang="ko-KR" altLang="en-US" sz="3600" b="1" smtClean="0">
+                <a:solidFill>
+                  <a:schemeClr val="bg1"/>
+                </a:solidFill>
+                <a:latin typeface="LG Smart UI Bold" panose="020B0800000101010101" pitchFamily="50" charset="-127"/>
+                <a:ea typeface="LG Smart UI Bold" panose="020B0800000101010101" pitchFamily="50" charset="-127"/>
+              </a:rPr>
+              <a:t>결과보고서</a:t>
+            </a:r>
+            <a:endParaRPr lang="ko-KR" altLang="en-US" sz="3600" b="1" dirty="0">
+              <a:solidFill>
+                <a:schemeClr val="bg1"/>
+              </a:solidFill>
+              <a:latin typeface="LG Smart UI Bold" panose="020B0800000101010101" pitchFamily="50" charset="-127"/>
+              <a:ea typeface="LG Smart UI Bold" panose="020B0800000101010101" pitchFamily="50" charset="-127"/>
+            </a:endParaRPr>
           </a:p>
         </p:txBody>
       </p:sp>
@@ -11287,7 +11104,7 @@
           <p:cNvPr id="3" name="TextBox 2">
             <a:extLst>
               <a:ext uri="{FF2B5EF4-FFF2-40B4-BE49-F238E27FC236}">
-                <a16:creationId xmlns:a16="http://schemas.microsoft.com/office/drawing/2014/main" xmlns="" id="{4889F7B1-68CB-363C-A6B1-102CD67D662F}"/>
+                <a16:creationId xmlns="" xmlns:a16="http://schemas.microsoft.com/office/drawing/2014/main" id="{4889F7B1-68CB-363C-A6B1-102CD67D662F}"/>
               </a:ext>
             </a:extLst>
           </p:cNvPr>
@@ -11338,7 +11155,7 @@
           <p:cNvPr id="4" name="TextBox 3">
             <a:extLst>
               <a:ext uri="{FF2B5EF4-FFF2-40B4-BE49-F238E27FC236}">
-                <a16:creationId xmlns:a16="http://schemas.microsoft.com/office/drawing/2014/main" xmlns="" id="{B49C7DA4-CA21-696D-170F-DAF3A4E7A309}"/>
+                <a16:creationId xmlns="" xmlns:a16="http://schemas.microsoft.com/office/drawing/2014/main" id="{B49C7DA4-CA21-696D-170F-DAF3A4E7A309}"/>
               </a:ext>
             </a:extLst>
           </p:cNvPr>
@@ -11380,7 +11197,7 @@
           <p:cNvPr id="7" name="TextBox 6">
             <a:extLst>
               <a:ext uri="{FF2B5EF4-FFF2-40B4-BE49-F238E27FC236}">
-                <a16:creationId xmlns:a16="http://schemas.microsoft.com/office/drawing/2014/main" xmlns="" id="{AF42A33E-D2F7-CBF6-882D-2E56F438A089}"/>
+                <a16:creationId xmlns="" xmlns:a16="http://schemas.microsoft.com/office/drawing/2014/main" id="{AF42A33E-D2F7-CBF6-882D-2E56F438A089}"/>
               </a:ext>
             </a:extLst>
           </p:cNvPr>
@@ -11548,7 +11365,7 @@
           <p:cNvPr id="13" name="그룹 12">
             <a:extLst>
               <a:ext uri="{FF2B5EF4-FFF2-40B4-BE49-F238E27FC236}">
-                <a16:creationId xmlns:a16="http://schemas.microsoft.com/office/drawing/2014/main" xmlns="" id="{654E75E7-4D9C-6680-F577-DD9C32F84F60}"/>
+                <a16:creationId xmlns="" xmlns:a16="http://schemas.microsoft.com/office/drawing/2014/main" id="{654E75E7-4D9C-6680-F577-DD9C32F84F60}"/>
               </a:ext>
             </a:extLst>
           </p:cNvPr>
@@ -11573,7 +11390,7 @@
             <p:cNvPr id="12" name="직사각형 11">
               <a:extLst>
                 <a:ext uri="{FF2B5EF4-FFF2-40B4-BE49-F238E27FC236}">
-                  <a16:creationId xmlns:a16="http://schemas.microsoft.com/office/drawing/2014/main" xmlns="" id="{BA037D86-143A-3448-00B4-7C256E488D76}"/>
+                  <a16:creationId xmlns="" xmlns:a16="http://schemas.microsoft.com/office/drawing/2014/main" id="{BA037D86-143A-3448-00B4-7C256E488D76}"/>
                 </a:ext>
               </a:extLst>
             </p:cNvPr>
@@ -11626,7 +11443,7 @@
             <p:cNvPr id="9" name="그림 8" descr="텍스트, 도표, 스크린샷이(가) 표시된 사진&#10;&#10;AI 생성 콘텐츠는 정확하지 않을 수 있습니다.">
               <a:extLst>
                 <a:ext uri="{FF2B5EF4-FFF2-40B4-BE49-F238E27FC236}">
-                  <a16:creationId xmlns:a16="http://schemas.microsoft.com/office/drawing/2014/main" xmlns="" id="{328AE823-2ACF-0F44-340B-149981F7C10A}"/>
+                  <a16:creationId xmlns="" xmlns:a16="http://schemas.microsoft.com/office/drawing/2014/main" id="{328AE823-2ACF-0F44-340B-149981F7C10A}"/>
                 </a:ext>
               </a:extLst>
             </p:cNvPr>
@@ -11657,7 +11474,7 @@
             <p:cNvPr id="10" name="그림 9" descr="텍스트, 스크린샷, 도표, 폰트이(가) 표시된 사진&#10;&#10;AI 생성 콘텐츠는 정확하지 않을 수 있습니다.">
               <a:extLst>
                 <a:ext uri="{FF2B5EF4-FFF2-40B4-BE49-F238E27FC236}">
-                  <a16:creationId xmlns:a16="http://schemas.microsoft.com/office/drawing/2014/main" xmlns="" id="{A0A9F7E7-6F85-CABF-CA86-9BFC797E6057}"/>
+                  <a16:creationId xmlns="" xmlns:a16="http://schemas.microsoft.com/office/drawing/2014/main" id="{A0A9F7E7-6F85-CABF-CA86-9BFC797E6057}"/>
                 </a:ext>
               </a:extLst>
             </p:cNvPr>
@@ -11688,7 +11505,7 @@
             <p:cNvPr id="11" name="그림 10" descr="텍스트, 스크린샷, 도표, 다채로움이(가) 표시된 사진&#10;&#10;AI 생성 콘텐츠는 정확하지 않을 수 있습니다.">
               <a:extLst>
                 <a:ext uri="{FF2B5EF4-FFF2-40B4-BE49-F238E27FC236}">
-                  <a16:creationId xmlns:a16="http://schemas.microsoft.com/office/drawing/2014/main" xmlns="" id="{757AB1F2-7C33-CA7E-00E3-EDD52E718ADC}"/>
+                  <a16:creationId xmlns="" xmlns:a16="http://schemas.microsoft.com/office/drawing/2014/main" id="{757AB1F2-7C33-CA7E-00E3-EDD52E718ADC}"/>
                 </a:ext>
               </a:extLst>
             </p:cNvPr>
@@ -12858,7 +12675,7 @@
           <p:cNvPr id="3" name="TextBox 2">
             <a:extLst>
               <a:ext uri="{FF2B5EF4-FFF2-40B4-BE49-F238E27FC236}">
-                <a16:creationId xmlns:a16="http://schemas.microsoft.com/office/drawing/2014/main" xmlns="" id="{A12364AF-FA95-844E-7299-875EB6153E7E}"/>
+                <a16:creationId xmlns="" xmlns:a16="http://schemas.microsoft.com/office/drawing/2014/main" id="{A12364AF-FA95-844E-7299-875EB6153E7E}"/>
               </a:ext>
             </a:extLst>
           </p:cNvPr>
@@ -12916,7 +12733,7 @@
           <p:cNvPr id="8" name="그림 7">
             <a:extLst>
               <a:ext uri="{FF2B5EF4-FFF2-40B4-BE49-F238E27FC236}">
-                <a16:creationId xmlns:a16="http://schemas.microsoft.com/office/drawing/2014/main" xmlns="" id="{ECB6607F-78F0-101C-064A-00E98C60A2F9}"/>
+                <a16:creationId xmlns="" xmlns:a16="http://schemas.microsoft.com/office/drawing/2014/main" id="{ECB6607F-78F0-101C-064A-00E98C60A2F9}"/>
               </a:ext>
             </a:extLst>
           </p:cNvPr>
@@ -12960,7 +12777,7 @@
             <p:cNvPr id="7" name="TextBox 6">
               <a:extLst>
                 <a:ext uri="{FF2B5EF4-FFF2-40B4-BE49-F238E27FC236}">
-                  <a16:creationId xmlns:a16="http://schemas.microsoft.com/office/drawing/2014/main" xmlns="" id="{7D040E70-05D2-67EC-2673-790A9EF2DB7D}"/>
+                  <a16:creationId xmlns="" xmlns:a16="http://schemas.microsoft.com/office/drawing/2014/main" id="{7D040E70-05D2-67EC-2673-790A9EF2DB7D}"/>
                 </a:ext>
               </a:extLst>
             </p:cNvPr>
@@ -13010,7 +12827,7 @@
             <p:cNvPr id="23" name="직사각형 22">
               <a:extLst>
                 <a:ext uri="{FF2B5EF4-FFF2-40B4-BE49-F238E27FC236}">
-                  <a16:creationId xmlns:a16="http://schemas.microsoft.com/office/drawing/2014/main" xmlns="" id="{882A4011-7371-CFAC-75D6-82F7C30DF347}"/>
+                  <a16:creationId xmlns="" xmlns:a16="http://schemas.microsoft.com/office/drawing/2014/main" id="{882A4011-7371-CFAC-75D6-82F7C30DF347}"/>
                 </a:ext>
               </a:extLst>
             </p:cNvPr>
@@ -13066,7 +12883,7 @@
           <p:cNvPr id="25" name="TextBox 24">
             <a:extLst>
               <a:ext uri="{FF2B5EF4-FFF2-40B4-BE49-F238E27FC236}">
-                <a16:creationId xmlns:a16="http://schemas.microsoft.com/office/drawing/2014/main" xmlns="" id="{29893BAC-CB3F-3BEC-1610-46DFD22CAAC8}"/>
+                <a16:creationId xmlns="" xmlns:a16="http://schemas.microsoft.com/office/drawing/2014/main" id="{29893BAC-CB3F-3BEC-1610-46DFD22CAAC8}"/>
               </a:ext>
             </a:extLst>
           </p:cNvPr>
@@ -13232,7 +13049,7 @@
         <p:cNvPr id="1" name="">
           <a:extLst>
             <a:ext uri="{FF2B5EF4-FFF2-40B4-BE49-F238E27FC236}">
-              <a16:creationId xmlns:a16="http://schemas.microsoft.com/office/drawing/2014/main" xmlns="" id="{BC08CD26-A2A0-3AB9-8FD7-29C231FFB51C}"/>
+              <a16:creationId xmlns="" xmlns:a16="http://schemas.microsoft.com/office/drawing/2014/main" id="{BC08CD26-A2A0-3AB9-8FD7-29C231FFB51C}"/>
             </a:ext>
           </a:extLst>
         </p:cNvPr>
@@ -13266,7 +13083,7 @@
             <p:cNvPr id="12" name="TextBox 11">
               <a:extLst>
                 <a:ext uri="{FF2B5EF4-FFF2-40B4-BE49-F238E27FC236}">
-                  <a16:creationId xmlns:a16="http://schemas.microsoft.com/office/drawing/2014/main" xmlns="" id="{7D040E70-05D2-67EC-2673-790A9EF2DB7D}"/>
+                  <a16:creationId xmlns="" xmlns:a16="http://schemas.microsoft.com/office/drawing/2014/main" id="{7D040E70-05D2-67EC-2673-790A9EF2DB7D}"/>
                 </a:ext>
               </a:extLst>
             </p:cNvPr>
@@ -13316,7 +13133,7 @@
             <p:cNvPr id="13" name="직사각형 12">
               <a:extLst>
                 <a:ext uri="{FF2B5EF4-FFF2-40B4-BE49-F238E27FC236}">
-                  <a16:creationId xmlns:a16="http://schemas.microsoft.com/office/drawing/2014/main" xmlns="" id="{882A4011-7371-CFAC-75D6-82F7C30DF347}"/>
+                  <a16:creationId xmlns="" xmlns:a16="http://schemas.microsoft.com/office/drawing/2014/main" id="{882A4011-7371-CFAC-75D6-82F7C30DF347}"/>
                 </a:ext>
               </a:extLst>
             </p:cNvPr>
@@ -13425,7 +13242,7 @@
           <p:cNvPr id="3" name="TextBox 2">
             <a:extLst>
               <a:ext uri="{FF2B5EF4-FFF2-40B4-BE49-F238E27FC236}">
-                <a16:creationId xmlns:a16="http://schemas.microsoft.com/office/drawing/2014/main" xmlns="" id="{167971BB-F43A-E3DC-777E-EF28C807A0FB}"/>
+                <a16:creationId xmlns="" xmlns:a16="http://schemas.microsoft.com/office/drawing/2014/main" id="{167971BB-F43A-E3DC-777E-EF28C807A0FB}"/>
               </a:ext>
             </a:extLst>
           </p:cNvPr>
@@ -13483,7 +13300,7 @@
           <p:cNvPr id="25" name="TextBox 24">
             <a:extLst>
               <a:ext uri="{FF2B5EF4-FFF2-40B4-BE49-F238E27FC236}">
-                <a16:creationId xmlns:a16="http://schemas.microsoft.com/office/drawing/2014/main" xmlns="" id="{B6E38836-526A-6A86-2223-95C8250A4C11}"/>
+                <a16:creationId xmlns="" xmlns:a16="http://schemas.microsoft.com/office/drawing/2014/main" id="{B6E38836-526A-6A86-2223-95C8250A4C11}"/>
               </a:ext>
             </a:extLst>
           </p:cNvPr>
@@ -13561,7 +13378,7 @@
           <p:cNvPr id="9" name="Picture 2">
             <a:extLst>
               <a:ext uri="{FF2B5EF4-FFF2-40B4-BE49-F238E27FC236}">
-                <a16:creationId xmlns:a16="http://schemas.microsoft.com/office/drawing/2014/main" xmlns="" id="{3AD1E031-B603-DE23-5515-EE5A77330FEB}"/>
+                <a16:creationId xmlns="" xmlns:a16="http://schemas.microsoft.com/office/drawing/2014/main" id="{3AD1E031-B603-DE23-5515-EE5A77330FEB}"/>
               </a:ext>
             </a:extLst>
           </p:cNvPr>
@@ -13614,7 +13431,7 @@
         <p:cNvPr id="1" name="">
           <a:extLst>
             <a:ext uri="{FF2B5EF4-FFF2-40B4-BE49-F238E27FC236}">
-              <a16:creationId xmlns:a16="http://schemas.microsoft.com/office/drawing/2014/main" xmlns="" id="{BC08CD26-A2A0-3AB9-8FD7-29C231FFB51C}"/>
+              <a16:creationId xmlns="" xmlns:a16="http://schemas.microsoft.com/office/drawing/2014/main" id="{BC08CD26-A2A0-3AB9-8FD7-29C231FFB51C}"/>
             </a:ext>
           </a:extLst>
         </p:cNvPr>
@@ -13687,7 +13504,7 @@
           <p:cNvPr id="3" name="TextBox 2">
             <a:extLst>
               <a:ext uri="{FF2B5EF4-FFF2-40B4-BE49-F238E27FC236}">
-                <a16:creationId xmlns:a16="http://schemas.microsoft.com/office/drawing/2014/main" xmlns="" id="{167971BB-F43A-E3DC-777E-EF28C807A0FB}"/>
+                <a16:creationId xmlns="" xmlns:a16="http://schemas.microsoft.com/office/drawing/2014/main" id="{167971BB-F43A-E3DC-777E-EF28C807A0FB}"/>
               </a:ext>
             </a:extLst>
           </p:cNvPr>
@@ -13759,7 +13576,7 @@
             <p:cNvPr id="7" name="TextBox 6">
               <a:extLst>
                 <a:ext uri="{FF2B5EF4-FFF2-40B4-BE49-F238E27FC236}">
-                  <a16:creationId xmlns:a16="http://schemas.microsoft.com/office/drawing/2014/main" xmlns="" id="{F698AEC1-6CB3-0BA2-BF6D-A76B4F4B29D8}"/>
+                  <a16:creationId xmlns="" xmlns:a16="http://schemas.microsoft.com/office/drawing/2014/main" id="{F698AEC1-6CB3-0BA2-BF6D-A76B4F4B29D8}"/>
                 </a:ext>
               </a:extLst>
             </p:cNvPr>
@@ -13806,7 +13623,7 @@
             <p:cNvPr id="23" name="직사각형 22">
               <a:extLst>
                 <a:ext uri="{FF2B5EF4-FFF2-40B4-BE49-F238E27FC236}">
-                  <a16:creationId xmlns:a16="http://schemas.microsoft.com/office/drawing/2014/main" xmlns="" id="{15780B38-3605-618F-91B0-07D654B49D4D}"/>
+                  <a16:creationId xmlns="" xmlns:a16="http://schemas.microsoft.com/office/drawing/2014/main" id="{15780B38-3605-618F-91B0-07D654B49D4D}"/>
                 </a:ext>
               </a:extLst>
             </p:cNvPr>
@@ -13862,7 +13679,7 @@
           <p:cNvPr id="25" name="TextBox 24">
             <a:extLst>
               <a:ext uri="{FF2B5EF4-FFF2-40B4-BE49-F238E27FC236}">
-                <a16:creationId xmlns:a16="http://schemas.microsoft.com/office/drawing/2014/main" xmlns="" id="{B6E38836-526A-6A86-2223-95C8250A4C11}"/>
+                <a16:creationId xmlns="" xmlns:a16="http://schemas.microsoft.com/office/drawing/2014/main" id="{B6E38836-526A-6A86-2223-95C8250A4C11}"/>
               </a:ext>
             </a:extLst>
           </p:cNvPr>
@@ -13933,7 +13750,7 @@
           <p:cNvPr id="8" name="Picture 3">
             <a:extLst>
               <a:ext uri="{FF2B5EF4-FFF2-40B4-BE49-F238E27FC236}">
-                <a16:creationId xmlns:a16="http://schemas.microsoft.com/office/drawing/2014/main" xmlns="" id="{7AA355AB-2E37-1CDE-F064-F4B7D13508D8}"/>
+                <a16:creationId xmlns="" xmlns:a16="http://schemas.microsoft.com/office/drawing/2014/main" id="{7AA355AB-2E37-1CDE-F064-F4B7D13508D8}"/>
               </a:ext>
             </a:extLst>
           </p:cNvPr>
@@ -13986,7 +13803,7 @@
         <p:cNvPr id="1" name="">
           <a:extLst>
             <a:ext uri="{FF2B5EF4-FFF2-40B4-BE49-F238E27FC236}">
-              <a16:creationId xmlns:a16="http://schemas.microsoft.com/office/drawing/2014/main" xmlns="" id="{BC08CD26-A2A0-3AB9-8FD7-29C231FFB51C}"/>
+              <a16:creationId xmlns="" xmlns:a16="http://schemas.microsoft.com/office/drawing/2014/main" id="{BC08CD26-A2A0-3AB9-8FD7-29C231FFB51C}"/>
             </a:ext>
           </a:extLst>
         </p:cNvPr>
@@ -14059,7 +13876,7 @@
           <p:cNvPr id="3" name="TextBox 2">
             <a:extLst>
               <a:ext uri="{FF2B5EF4-FFF2-40B4-BE49-F238E27FC236}">
-                <a16:creationId xmlns:a16="http://schemas.microsoft.com/office/drawing/2014/main" xmlns="" id="{167971BB-F43A-E3DC-777E-EF28C807A0FB}"/>
+                <a16:creationId xmlns="" xmlns:a16="http://schemas.microsoft.com/office/drawing/2014/main" id="{167971BB-F43A-E3DC-777E-EF28C807A0FB}"/>
               </a:ext>
             </a:extLst>
           </p:cNvPr>
@@ -14131,7 +13948,7 @@
             <p:cNvPr id="7" name="TextBox 6">
               <a:extLst>
                 <a:ext uri="{FF2B5EF4-FFF2-40B4-BE49-F238E27FC236}">
-                  <a16:creationId xmlns:a16="http://schemas.microsoft.com/office/drawing/2014/main" xmlns="" id="{F698AEC1-6CB3-0BA2-BF6D-A76B4F4B29D8}"/>
+                  <a16:creationId xmlns="" xmlns:a16="http://schemas.microsoft.com/office/drawing/2014/main" id="{F698AEC1-6CB3-0BA2-BF6D-A76B4F4B29D8}"/>
                 </a:ext>
               </a:extLst>
             </p:cNvPr>
@@ -14178,7 +13995,7 @@
             <p:cNvPr id="23" name="직사각형 22">
               <a:extLst>
                 <a:ext uri="{FF2B5EF4-FFF2-40B4-BE49-F238E27FC236}">
-                  <a16:creationId xmlns:a16="http://schemas.microsoft.com/office/drawing/2014/main" xmlns="" id="{15780B38-3605-618F-91B0-07D654B49D4D}"/>
+                  <a16:creationId xmlns="" xmlns:a16="http://schemas.microsoft.com/office/drawing/2014/main" id="{15780B38-3605-618F-91B0-07D654B49D4D}"/>
                 </a:ext>
               </a:extLst>
             </p:cNvPr>
@@ -14234,7 +14051,7 @@
           <p:cNvPr id="25" name="TextBox 24">
             <a:extLst>
               <a:ext uri="{FF2B5EF4-FFF2-40B4-BE49-F238E27FC236}">
-                <a16:creationId xmlns:a16="http://schemas.microsoft.com/office/drawing/2014/main" xmlns="" id="{B6E38836-526A-6A86-2223-95C8250A4C11}"/>
+                <a16:creationId xmlns="" xmlns:a16="http://schemas.microsoft.com/office/drawing/2014/main" id="{B6E38836-526A-6A86-2223-95C8250A4C11}"/>
               </a:ext>
             </a:extLst>
           </p:cNvPr>
@@ -14337,7 +14154,7 @@
           <p:cNvPr id="11" name="그림 10" descr="텍스트, 지도, 도표이(가) 표시된 사진&#10;&#10;AI 생성 콘텐츠는 정확하지 않을 수 있습니다.">
             <a:extLst>
               <a:ext uri="{FF2B5EF4-FFF2-40B4-BE49-F238E27FC236}">
-                <a16:creationId xmlns:a16="http://schemas.microsoft.com/office/drawing/2014/main" xmlns="" id="{2B84FC9C-9641-9809-E9F2-4E823C23C182}"/>
+                <a16:creationId xmlns="" xmlns:a16="http://schemas.microsoft.com/office/drawing/2014/main" id="{2B84FC9C-9641-9809-E9F2-4E823C23C182}"/>
               </a:ext>
             </a:extLst>
           </p:cNvPr>
@@ -14389,7 +14206,7 @@
         <p:cNvPr id="1" name="">
           <a:extLst>
             <a:ext uri="{FF2B5EF4-FFF2-40B4-BE49-F238E27FC236}">
-              <a16:creationId xmlns:a16="http://schemas.microsoft.com/office/drawing/2014/main" xmlns="" id="{BC08CD26-A2A0-3AB9-8FD7-29C231FFB51C}"/>
+              <a16:creationId xmlns="" xmlns:a16="http://schemas.microsoft.com/office/drawing/2014/main" id="{BC08CD26-A2A0-3AB9-8FD7-29C231FFB51C}"/>
             </a:ext>
           </a:extLst>
         </p:cNvPr>
@@ -14423,7 +14240,7 @@
             <p:cNvPr id="11" name="TextBox 10">
               <a:extLst>
                 <a:ext uri="{FF2B5EF4-FFF2-40B4-BE49-F238E27FC236}">
-                  <a16:creationId xmlns:a16="http://schemas.microsoft.com/office/drawing/2014/main" xmlns="" id="{F698AEC1-6CB3-0BA2-BF6D-A76B4F4B29D8}"/>
+                  <a16:creationId xmlns="" xmlns:a16="http://schemas.microsoft.com/office/drawing/2014/main" id="{F698AEC1-6CB3-0BA2-BF6D-A76B4F4B29D8}"/>
                 </a:ext>
               </a:extLst>
             </p:cNvPr>
@@ -14470,7 +14287,7 @@
             <p:cNvPr id="12" name="직사각형 11">
               <a:extLst>
                 <a:ext uri="{FF2B5EF4-FFF2-40B4-BE49-F238E27FC236}">
-                  <a16:creationId xmlns:a16="http://schemas.microsoft.com/office/drawing/2014/main" xmlns="" id="{15780B38-3605-618F-91B0-07D654B49D4D}"/>
+                  <a16:creationId xmlns="" xmlns:a16="http://schemas.microsoft.com/office/drawing/2014/main" id="{15780B38-3605-618F-91B0-07D654B49D4D}"/>
                 </a:ext>
               </a:extLst>
             </p:cNvPr>
@@ -14579,7 +14396,7 @@
           <p:cNvPr id="3" name="TextBox 2">
             <a:extLst>
               <a:ext uri="{FF2B5EF4-FFF2-40B4-BE49-F238E27FC236}">
-                <a16:creationId xmlns:a16="http://schemas.microsoft.com/office/drawing/2014/main" xmlns="" id="{167971BB-F43A-E3DC-777E-EF28C807A0FB}"/>
+                <a16:creationId xmlns="" xmlns:a16="http://schemas.microsoft.com/office/drawing/2014/main" id="{167971BB-F43A-E3DC-777E-EF28C807A0FB}"/>
               </a:ext>
             </a:extLst>
           </p:cNvPr>
@@ -14637,7 +14454,7 @@
           <p:cNvPr id="10" name="Picture 5">
             <a:extLst>
               <a:ext uri="{FF2B5EF4-FFF2-40B4-BE49-F238E27FC236}">
-                <a16:creationId xmlns:a16="http://schemas.microsoft.com/office/drawing/2014/main" xmlns="" id="{A5920D09-4CFD-93F6-1441-71FFEF7E8136}"/>
+                <a16:creationId xmlns="" xmlns:a16="http://schemas.microsoft.com/office/drawing/2014/main" id="{A5920D09-4CFD-93F6-1441-71FFEF7E8136}"/>
               </a:ext>
             </a:extLst>
           </p:cNvPr>
@@ -14667,7 +14484,7 @@
           <p:cNvPr id="13" name="TextBox 12">
             <a:extLst>
               <a:ext uri="{FF2B5EF4-FFF2-40B4-BE49-F238E27FC236}">
-                <a16:creationId xmlns:a16="http://schemas.microsoft.com/office/drawing/2014/main" xmlns="" id="{B6E38836-526A-6A86-2223-95C8250A4C11}"/>
+                <a16:creationId xmlns="" xmlns:a16="http://schemas.microsoft.com/office/drawing/2014/main" id="{B6E38836-526A-6A86-2223-95C8250A4C11}"/>
               </a:ext>
             </a:extLst>
           </p:cNvPr>

--- a/report/LG_부트캠프_09기_B반_결과보고서(3팀).pptx
+++ b/report/LG_부트캠프_09기_B반_결과보고서(3팀).pptx
@@ -33,27 +33,27 @@
   <p:notesSz cx="9875838" cy="17556163"/>
   <p:embeddedFontLst>
     <p:embeddedFont>
+      <p:font typeface="LG Smart UI Bold" panose="020B0800000101010101" pitchFamily="50" charset="-127"/>
+      <p:bold r:id="rId21"/>
+    </p:embeddedFont>
+    <p:embeddedFont>
+      <p:font typeface="LG Smart UI Light" panose="020B0300000101010101" pitchFamily="50" charset="-127"/>
+      <p:regular r:id="rId22"/>
+    </p:embeddedFont>
+    <p:embeddedFont>
+      <p:font typeface="LG Smart UI Regular" panose="020B0500000101010101" pitchFamily="50" charset="-127"/>
+      <p:regular r:id="rId23"/>
+    </p:embeddedFont>
+    <p:embeddedFont>
       <p:font typeface="Calibri" panose="020F0502020204030204" pitchFamily="34" charset="0"/>
-      <p:regular r:id="rId21"/>
-      <p:bold r:id="rId22"/>
-      <p:italic r:id="rId23"/>
-      <p:boldItalic r:id="rId24"/>
+      <p:regular r:id="rId24"/>
+      <p:bold r:id="rId25"/>
+      <p:italic r:id="rId26"/>
+      <p:boldItalic r:id="rId27"/>
     </p:embeddedFont>
     <p:embeddedFont>
       <p:font typeface="LG Smart UI SemiBold" panose="020B0700000101010101" pitchFamily="50" charset="-127"/>
-      <p:bold r:id="rId25"/>
-    </p:embeddedFont>
-    <p:embeddedFont>
-      <p:font typeface="LG Smart UI Bold" panose="020B0800000101010101" pitchFamily="50" charset="-127"/>
-      <p:bold r:id="rId26"/>
-    </p:embeddedFont>
-    <p:embeddedFont>
-      <p:font typeface="LG Smart UI Light" panose="020B0300000101010101" pitchFamily="50" charset="-127"/>
-      <p:regular r:id="rId27"/>
-    </p:embeddedFont>
-    <p:embeddedFont>
-      <p:font typeface="LG Smart UI Regular" panose="020B0500000101010101" pitchFamily="50" charset="-127"/>
-      <p:regular r:id="rId28"/>
+      <p:bold r:id="rId28"/>
     </p:embeddedFont>
     <p:embeddedFont>
       <p:font typeface="맑은 고딕" panose="020B0503020000020004" pitchFamily="50" charset="-127"/>
@@ -1703,7 +1703,7 @@
           <p:cNvPr id="3" name="TextBox 2">
             <a:extLst>
               <a:ext uri="{FF2B5EF4-FFF2-40B4-BE49-F238E27FC236}">
-                <a16:creationId xmlns="" xmlns:a16="http://schemas.microsoft.com/office/drawing/2014/main" id="{0AE5D3B0-FC8C-B334-B879-147BA238E4E7}"/>
+                <a16:creationId xmlns:a16="http://schemas.microsoft.com/office/drawing/2014/main" xmlns="" id="{0AE5D3B0-FC8C-B334-B879-147BA238E4E7}"/>
               </a:ext>
             </a:extLst>
           </p:cNvPr>
@@ -1711,7 +1711,7 @@
           <p:nvPr>
             <p:extLst>
               <p:ext uri="{1162E1C5-73C7-4A58-AE30-91384D911F3F}">
-                <p184:classification xmlns="" xmlns:p184="http://schemas.microsoft.com/office/powerpoint/2018/4/main" val="hdr"/>
+                <p184:classification xmlns:p184="http://schemas.microsoft.com/office/powerpoint/2018/4/main" xmlns="" val="hdr"/>
               </p:ext>
             </p:extLst>
           </p:nvPr>
@@ -2436,7 +2436,7 @@
         <p:cNvPr id="1" name="">
           <a:extLst>
             <a:ext uri="{FF2B5EF4-FFF2-40B4-BE49-F238E27FC236}">
-              <a16:creationId xmlns="" xmlns:a16="http://schemas.microsoft.com/office/drawing/2014/main" id="{BB5F794E-283C-A899-9161-38C368F683B8}"/>
+              <a16:creationId xmlns:a16="http://schemas.microsoft.com/office/drawing/2014/main" xmlns="" id="{BB5F794E-283C-A899-9161-38C368F683B8}"/>
             </a:ext>
           </a:extLst>
         </p:cNvPr>
@@ -2456,7 +2456,7 @@
           <p:cNvPr id="2" name="TextBox 1">
             <a:extLst>
               <a:ext uri="{FF2B5EF4-FFF2-40B4-BE49-F238E27FC236}">
-                <a16:creationId xmlns="" xmlns:a16="http://schemas.microsoft.com/office/drawing/2014/main" id="{C7F6BC02-2E76-C5F3-4FF7-F7D6EE807D64}"/>
+                <a16:creationId xmlns:a16="http://schemas.microsoft.com/office/drawing/2014/main" xmlns="" id="{C7F6BC02-2E76-C5F3-4FF7-F7D6EE807D64}"/>
               </a:ext>
             </a:extLst>
           </p:cNvPr>
@@ -2521,7 +2521,7 @@
             <p:cNvPr id="9" name="그룹 8">
               <a:extLst>
                 <a:ext uri="{FF2B5EF4-FFF2-40B4-BE49-F238E27FC236}">
-                  <a16:creationId xmlns="" xmlns:a16="http://schemas.microsoft.com/office/drawing/2014/main" id="{7586CAB3-4E8E-E112-BEE5-03316043A557}"/>
+                  <a16:creationId xmlns:a16="http://schemas.microsoft.com/office/drawing/2014/main" xmlns="" id="{7586CAB3-4E8E-E112-BEE5-03316043A557}"/>
                 </a:ext>
               </a:extLst>
             </p:cNvPr>
@@ -2541,7 +2541,7 @@
               <p:cNvPr id="5126" name="Picture 6" descr="https://img.notionusercontent.com/s3/prod-files-secure%2Fa8564cf8-629e-45ec-bf9f-d59eddd4f436%2F7035608b-d620-43fc-a1e0-d812455c3157%2Fimage.png/size/w=2000?exp=1745309153&amp;sig=qWFFRI0-3mBJLs8oduhmwg072VfvmDRUgAuTNBlhLyI&amp;id=1ddd7f3a-d91c-80cc-95a1-dbd7a570b293&amp;table=block&amp;userId=9fe104dc-aaa9-4171-91a8-d50f41283e01">
                 <a:extLst>
                   <a:ext uri="{FF2B5EF4-FFF2-40B4-BE49-F238E27FC236}">
-                    <a16:creationId xmlns="" xmlns:a16="http://schemas.microsoft.com/office/drawing/2014/main" id="{6FA34002-2F7F-8DB2-8114-D2F8ECC12E80}"/>
+                    <a16:creationId xmlns:a16="http://schemas.microsoft.com/office/drawing/2014/main" xmlns="" id="{6FA34002-2F7F-8DB2-8114-D2F8ECC12E80}"/>
                   </a:ext>
                 </a:extLst>
               </p:cNvPr>
@@ -2586,7 +2586,7 @@
               <p:cNvPr id="5136" name="Picture 16" descr="Protecting Data in Google BigQuery Native Tables (part 1)">
                 <a:extLst>
                   <a:ext uri="{FF2B5EF4-FFF2-40B4-BE49-F238E27FC236}">
-                    <a16:creationId xmlns="" xmlns:a16="http://schemas.microsoft.com/office/drawing/2014/main" id="{570D872E-BBE2-4CDF-21BC-AA8A069437F6}"/>
+                    <a16:creationId xmlns:a16="http://schemas.microsoft.com/office/drawing/2014/main" xmlns="" id="{570D872E-BBE2-4CDF-21BC-AA8A069437F6}"/>
                   </a:ext>
                 </a:extLst>
               </p:cNvPr>
@@ -2631,7 +2631,7 @@
               <p:cNvPr id="5138" name="Picture 18" descr="https://img.notionusercontent.com/s3/prod-files-secure%2Fa8564cf8-629e-45ec-bf9f-d59eddd4f436%2F7d2f366a-1441-4aa6-9c89-6f2426028b1f%2Fimage.png/size/w=2000?exp=1745309229&amp;sig=4003VoPa4G-DhVz_aWocSobAGtzt67cLoDSG4TIYYL0&amp;id=1ddd7f3a-d91c-80ba-bc8c-f1c0af706b41&amp;table=block&amp;userId=9fe104dc-aaa9-4171-91a8-d50f41283e01">
                 <a:extLst>
                   <a:ext uri="{FF2B5EF4-FFF2-40B4-BE49-F238E27FC236}">
-                    <a16:creationId xmlns="" xmlns:a16="http://schemas.microsoft.com/office/drawing/2014/main" id="{6EC30EDD-9A90-C084-B8F8-7108E7468C04}"/>
+                    <a16:creationId xmlns:a16="http://schemas.microsoft.com/office/drawing/2014/main" xmlns="" id="{6EC30EDD-9A90-C084-B8F8-7108E7468C04}"/>
                   </a:ext>
                 </a:extLst>
               </p:cNvPr>
@@ -2676,7 +2676,7 @@
               <p:cNvPr id="5140" name="Picture 20" descr="https://img.notionusercontent.com/s3/prod-files-secure%2Fa8564cf8-629e-45ec-bf9f-d59eddd4f436%2F2170c74d-deae-40fd-9103-67b62eef7f8b%2Fimage.png/size/w=2000?exp=1745309238&amp;sig=82vUtX0CzksuiCqAtYdzSiCSTpVA0SLgov3goFUuvJo&amp;id=1ddd7f3a-d91c-8046-b525-f262ef9b1fbf&amp;table=block&amp;userId=9fe104dc-aaa9-4171-91a8-d50f41283e01">
                 <a:extLst>
                   <a:ext uri="{FF2B5EF4-FFF2-40B4-BE49-F238E27FC236}">
-                    <a16:creationId xmlns="" xmlns:a16="http://schemas.microsoft.com/office/drawing/2014/main" id="{5C1BBEC8-4EFA-DEDB-4437-BF3E37D5B2B7}"/>
+                    <a16:creationId xmlns:a16="http://schemas.microsoft.com/office/drawing/2014/main" xmlns="" id="{5C1BBEC8-4EFA-DEDB-4437-BF3E37D5B2B7}"/>
                   </a:ext>
                 </a:extLst>
               </p:cNvPr>
@@ -2724,7 +2724,7 @@
             <p:cNvPr id="5142" name="Picture 22" descr="https://img.notionusercontent.com/s3/prod-files-secure%2Fa8564cf8-629e-45ec-bf9f-d59eddd4f436%2F7bab2941-0a60-418f-a794-6c3a84c753ce%2Fimage.png/size/w=2000?exp=1745309256&amp;sig=vMVYdzHfwX49FqL-l6jfGpZ7pkU3QdZVJZeeWxjAlPM&amp;id=1ddd7f3a-d91c-809b-b13b-c6e3928d1c59&amp;table=block&amp;userId=9fe104dc-aaa9-4171-91a8-d50f41283e01">
               <a:extLst>
                 <a:ext uri="{FF2B5EF4-FFF2-40B4-BE49-F238E27FC236}">
-                  <a16:creationId xmlns="" xmlns:a16="http://schemas.microsoft.com/office/drawing/2014/main" id="{631C2674-17D3-52E8-7077-DECD020420B5}"/>
+                  <a16:creationId xmlns:a16="http://schemas.microsoft.com/office/drawing/2014/main" xmlns="" id="{631C2674-17D3-52E8-7077-DECD020420B5}"/>
                 </a:ext>
               </a:extLst>
             </p:cNvPr>
@@ -2769,7 +2769,7 @@
             <p:cNvPr id="7" name="그룹 6">
               <a:extLst>
                 <a:ext uri="{FF2B5EF4-FFF2-40B4-BE49-F238E27FC236}">
-                  <a16:creationId xmlns="" xmlns:a16="http://schemas.microsoft.com/office/drawing/2014/main" id="{05581450-87CB-F162-2791-830C88FBB26E}"/>
+                  <a16:creationId xmlns:a16="http://schemas.microsoft.com/office/drawing/2014/main" xmlns="" id="{05581450-87CB-F162-2791-830C88FBB26E}"/>
                 </a:ext>
               </a:extLst>
             </p:cNvPr>
@@ -2789,7 +2789,7 @@
               <p:cNvPr id="4" name="그림 3" descr="텍스트, 스크린샷, 대칭이(가) 표시된 사진&#10;&#10;AI 생성 콘텐츠는 정확하지 않을 수 있습니다.">
                 <a:extLst>
                   <a:ext uri="{FF2B5EF4-FFF2-40B4-BE49-F238E27FC236}">
-                    <a16:creationId xmlns="" xmlns:a16="http://schemas.microsoft.com/office/drawing/2014/main" id="{CD7B8C8D-A4D8-322B-8C3D-F5A8FE6065F7}"/>
+                    <a16:creationId xmlns:a16="http://schemas.microsoft.com/office/drawing/2014/main" xmlns="" id="{CD7B8C8D-A4D8-322B-8C3D-F5A8FE6065F7}"/>
                   </a:ext>
                 </a:extLst>
               </p:cNvPr>
@@ -2824,7 +2824,7 @@
               <p:cNvPr id="5" name="그림 4" descr="텍스트, 스크린샷, 대칭이(가) 표시된 사진&#10;&#10;AI 생성 콘텐츠는 정확하지 않을 수 있습니다.">
                 <a:extLst>
                   <a:ext uri="{FF2B5EF4-FFF2-40B4-BE49-F238E27FC236}">
-                    <a16:creationId xmlns="" xmlns:a16="http://schemas.microsoft.com/office/drawing/2014/main" id="{76503CB1-FBA7-3237-3C4F-A12D04320ABA}"/>
+                    <a16:creationId xmlns:a16="http://schemas.microsoft.com/office/drawing/2014/main" xmlns="" id="{76503CB1-FBA7-3237-3C4F-A12D04320ABA}"/>
                   </a:ext>
                 </a:extLst>
               </p:cNvPr>
@@ -2859,7 +2859,7 @@
               <p:cNvPr id="6" name="그림 5" descr="텍스트, 스크린샷, 대칭이(가) 표시된 사진&#10;&#10;AI 생성 콘텐츠는 정확하지 않을 수 있습니다.">
                 <a:extLst>
                   <a:ext uri="{FF2B5EF4-FFF2-40B4-BE49-F238E27FC236}">
-                    <a16:creationId xmlns="" xmlns:a16="http://schemas.microsoft.com/office/drawing/2014/main" id="{3E64E56E-FA64-0DDC-45A9-DA413E4ED448}"/>
+                    <a16:creationId xmlns:a16="http://schemas.microsoft.com/office/drawing/2014/main" xmlns="" id="{3E64E56E-FA64-0DDC-45A9-DA413E4ED448}"/>
                   </a:ext>
                 </a:extLst>
               </p:cNvPr>
@@ -2895,7 +2895,7 @@
             <p:cNvPr id="11" name="TextBox 10">
               <a:extLst>
                 <a:ext uri="{FF2B5EF4-FFF2-40B4-BE49-F238E27FC236}">
-                  <a16:creationId xmlns="" xmlns:a16="http://schemas.microsoft.com/office/drawing/2014/main" id="{30BCC1FC-7DB7-30F3-41C1-2AEFF95265FC}"/>
+                  <a16:creationId xmlns:a16="http://schemas.microsoft.com/office/drawing/2014/main" xmlns="" id="{30BCC1FC-7DB7-30F3-41C1-2AEFF95265FC}"/>
                 </a:ext>
               </a:extLst>
             </p:cNvPr>
@@ -2942,7 +2942,7 @@
             <p:cNvPr id="17" name="그룹 16">
               <a:extLst>
                 <a:ext uri="{FF2B5EF4-FFF2-40B4-BE49-F238E27FC236}">
-                  <a16:creationId xmlns="" xmlns:a16="http://schemas.microsoft.com/office/drawing/2014/main" id="{79FA8006-6A3B-6410-A665-EA6644E73222}"/>
+                  <a16:creationId xmlns:a16="http://schemas.microsoft.com/office/drawing/2014/main" xmlns="" id="{79FA8006-6A3B-6410-A665-EA6644E73222}"/>
                 </a:ext>
               </a:extLst>
             </p:cNvPr>
@@ -2962,7 +2962,7 @@
               <p:cNvPr id="5124" name="Picture 4" descr="w=2000 (2048×829)">
                 <a:extLst>
                   <a:ext uri="{FF2B5EF4-FFF2-40B4-BE49-F238E27FC236}">
-                    <a16:creationId xmlns="" xmlns:a16="http://schemas.microsoft.com/office/drawing/2014/main" id="{7B026789-7FF6-0E8D-F89F-4E9E70766F81}"/>
+                    <a16:creationId xmlns:a16="http://schemas.microsoft.com/office/drawing/2014/main" xmlns="" id="{7B026789-7FF6-0E8D-F89F-4E9E70766F81}"/>
                   </a:ext>
                 </a:extLst>
               </p:cNvPr>
@@ -3007,7 +3007,7 @@
               <p:cNvPr id="12" name="그림 11" descr="Polars - NamuWiki">
                 <a:extLst>
                   <a:ext uri="{FF2B5EF4-FFF2-40B4-BE49-F238E27FC236}">
-                    <a16:creationId xmlns="" xmlns:a16="http://schemas.microsoft.com/office/drawing/2014/main" id="{23D18B9B-BC53-4A05-F218-89047DC6D615}"/>
+                    <a16:creationId xmlns:a16="http://schemas.microsoft.com/office/drawing/2014/main" xmlns="" id="{23D18B9B-BC53-4A05-F218-89047DC6D615}"/>
                   </a:ext>
                 </a:extLst>
               </p:cNvPr>
@@ -3038,7 +3038,7 @@
             <p:cNvPr id="13" name="TextBox 12">
               <a:extLst>
                 <a:ext uri="{FF2B5EF4-FFF2-40B4-BE49-F238E27FC236}">
-                  <a16:creationId xmlns="" xmlns:a16="http://schemas.microsoft.com/office/drawing/2014/main" id="{FA1118FD-F4DA-909A-6CED-4309457E6F0C}"/>
+                  <a16:creationId xmlns:a16="http://schemas.microsoft.com/office/drawing/2014/main" xmlns="" id="{FA1118FD-F4DA-909A-6CED-4309457E6F0C}"/>
                 </a:ext>
               </a:extLst>
             </p:cNvPr>
@@ -3089,7 +3089,7 @@
             <p:cNvPr id="19" name="TextBox 18">
               <a:extLst>
                 <a:ext uri="{FF2B5EF4-FFF2-40B4-BE49-F238E27FC236}">
-                  <a16:creationId xmlns="" xmlns:a16="http://schemas.microsoft.com/office/drawing/2014/main" id="{DFBE7CE8-C7E4-D88F-8808-B348BA9C105C}"/>
+                  <a16:creationId xmlns:a16="http://schemas.microsoft.com/office/drawing/2014/main" xmlns="" id="{DFBE7CE8-C7E4-D88F-8808-B348BA9C105C}"/>
                 </a:ext>
               </a:extLst>
             </p:cNvPr>
@@ -3132,7 +3132,7 @@
             <p:cNvPr id="25" name="그룹 24">
               <a:extLst>
                 <a:ext uri="{FF2B5EF4-FFF2-40B4-BE49-F238E27FC236}">
-                  <a16:creationId xmlns="" xmlns:a16="http://schemas.microsoft.com/office/drawing/2014/main" id="{CF3BD5D0-5BF4-9863-F368-599BC10C1F6B}"/>
+                  <a16:creationId xmlns:a16="http://schemas.microsoft.com/office/drawing/2014/main" xmlns="" id="{CF3BD5D0-5BF4-9863-F368-599BC10C1F6B}"/>
                 </a:ext>
               </a:extLst>
             </p:cNvPr>
@@ -3152,7 +3152,7 @@
               <p:cNvPr id="5144" name="Picture 24" descr="w=2000 (1200×300)">
                 <a:extLst>
                   <a:ext uri="{FF2B5EF4-FFF2-40B4-BE49-F238E27FC236}">
-                    <a16:creationId xmlns="" xmlns:a16="http://schemas.microsoft.com/office/drawing/2014/main" id="{53B4F34D-8788-7AD6-847B-3243F7A72A9D}"/>
+                    <a16:creationId xmlns:a16="http://schemas.microsoft.com/office/drawing/2014/main" xmlns="" id="{53B4F34D-8788-7AD6-847B-3243F7A72A9D}"/>
                   </a:ext>
                 </a:extLst>
               </p:cNvPr>
@@ -3199,7 +3199,7 @@
               <p:cNvPr id="20" name="그림 19" descr="텍스트, 스크린샷, 도표, 디자인이(가) 표시된 사진&#10;&#10;AI 생성 콘텐츠는 정확하지 않을 수 있습니다.">
                 <a:extLst>
                   <a:ext uri="{FF2B5EF4-FFF2-40B4-BE49-F238E27FC236}">
-                    <a16:creationId xmlns="" xmlns:a16="http://schemas.microsoft.com/office/drawing/2014/main" id="{9C13C50E-42A9-99A7-D8E4-D47884E3E0D1}"/>
+                    <a16:creationId xmlns:a16="http://schemas.microsoft.com/office/drawing/2014/main" xmlns="" id="{9C13C50E-42A9-99A7-D8E4-D47884E3E0D1}"/>
                   </a:ext>
                 </a:extLst>
               </p:cNvPr>
@@ -3230,7 +3230,7 @@
             <p:cNvPr id="21" name="TextBox 20">
               <a:extLst>
                 <a:ext uri="{FF2B5EF4-FFF2-40B4-BE49-F238E27FC236}">
-                  <a16:creationId xmlns="" xmlns:a16="http://schemas.microsoft.com/office/drawing/2014/main" id="{3B7BE10D-551F-6C93-1AF8-828E62E14517}"/>
+                  <a16:creationId xmlns:a16="http://schemas.microsoft.com/office/drawing/2014/main" xmlns="" id="{3B7BE10D-551F-6C93-1AF8-828E62E14517}"/>
                 </a:ext>
               </a:extLst>
             </p:cNvPr>
@@ -3281,7 +3281,7 @@
             <p:cNvPr id="22" name="직선 화살표 연결선 21">
               <a:extLst>
                 <a:ext uri="{FF2B5EF4-FFF2-40B4-BE49-F238E27FC236}">
-                  <a16:creationId xmlns="" xmlns:a16="http://schemas.microsoft.com/office/drawing/2014/main" id="{1AAEFB2E-9455-AFCB-B8DD-23409E8C12B3}"/>
+                  <a16:creationId xmlns:a16="http://schemas.microsoft.com/office/drawing/2014/main" xmlns="" id="{1AAEFB2E-9455-AFCB-B8DD-23409E8C12B3}"/>
                 </a:ext>
               </a:extLst>
             </p:cNvPr>
@@ -3320,7 +3320,7 @@
             <p:cNvPr id="23" name="직선 화살표 연결선 22">
               <a:extLst>
                 <a:ext uri="{FF2B5EF4-FFF2-40B4-BE49-F238E27FC236}">
-                  <a16:creationId xmlns="" xmlns:a16="http://schemas.microsoft.com/office/drawing/2014/main" id="{1C8C9642-A7E8-88F3-D042-0565C6995AB3}"/>
+                  <a16:creationId xmlns:a16="http://schemas.microsoft.com/office/drawing/2014/main" xmlns="" id="{1C8C9642-A7E8-88F3-D042-0565C6995AB3}"/>
                 </a:ext>
               </a:extLst>
             </p:cNvPr>
@@ -3361,7 +3361,7 @@
             <p:cNvPr id="24" name="직선 화살표 연결선 23">
               <a:extLst>
                 <a:ext uri="{FF2B5EF4-FFF2-40B4-BE49-F238E27FC236}">
-                  <a16:creationId xmlns="" xmlns:a16="http://schemas.microsoft.com/office/drawing/2014/main" id="{17732BF8-8E30-02E8-8430-79D78B369D2A}"/>
+                  <a16:creationId xmlns:a16="http://schemas.microsoft.com/office/drawing/2014/main" xmlns="" id="{17732BF8-8E30-02E8-8430-79D78B369D2A}"/>
                 </a:ext>
               </a:extLst>
             </p:cNvPr>
@@ -3402,7 +3402,7 @@
             <p:cNvPr id="29" name="TextBox 28">
               <a:extLst>
                 <a:ext uri="{FF2B5EF4-FFF2-40B4-BE49-F238E27FC236}">
-                  <a16:creationId xmlns="" xmlns:a16="http://schemas.microsoft.com/office/drawing/2014/main" id="{7DEBE498-2A49-591D-C96E-EC142E12A39B}"/>
+                  <a16:creationId xmlns:a16="http://schemas.microsoft.com/office/drawing/2014/main" xmlns="" id="{7DEBE498-2A49-591D-C96E-EC142E12A39B}"/>
                 </a:ext>
               </a:extLst>
             </p:cNvPr>
@@ -3445,7 +3445,7 @@
             <p:cNvPr id="30" name="직선 화살표 연결선 29">
               <a:extLst>
                 <a:ext uri="{FF2B5EF4-FFF2-40B4-BE49-F238E27FC236}">
-                  <a16:creationId xmlns="" xmlns:a16="http://schemas.microsoft.com/office/drawing/2014/main" id="{A9CAD702-224D-68C5-0B71-F70D983F2322}"/>
+                  <a16:creationId xmlns:a16="http://schemas.microsoft.com/office/drawing/2014/main" xmlns="" id="{A9CAD702-224D-68C5-0B71-F70D983F2322}"/>
                 </a:ext>
               </a:extLst>
             </p:cNvPr>
@@ -3486,7 +3486,7 @@
             <p:cNvPr id="31" name="직선 화살표 연결선 30">
               <a:extLst>
                 <a:ext uri="{FF2B5EF4-FFF2-40B4-BE49-F238E27FC236}">
-                  <a16:creationId xmlns="" xmlns:a16="http://schemas.microsoft.com/office/drawing/2014/main" id="{EC9A01B9-C141-251D-3257-802A2F0567BF}"/>
+                  <a16:creationId xmlns:a16="http://schemas.microsoft.com/office/drawing/2014/main" xmlns="" id="{EC9A01B9-C141-251D-3257-802A2F0567BF}"/>
                 </a:ext>
               </a:extLst>
             </p:cNvPr>
@@ -3542,7 +3542,7 @@
             <p:cNvPr id="26" name="TextBox 25">
               <a:extLst>
                 <a:ext uri="{FF2B5EF4-FFF2-40B4-BE49-F238E27FC236}">
-                  <a16:creationId xmlns="" xmlns:a16="http://schemas.microsoft.com/office/drawing/2014/main" id="{77CB7E9A-C0C7-E141-D691-0AD3C63854B5}"/>
+                  <a16:creationId xmlns:a16="http://schemas.microsoft.com/office/drawing/2014/main" xmlns="" id="{77CB7E9A-C0C7-E141-D691-0AD3C63854B5}"/>
                 </a:ext>
               </a:extLst>
             </p:cNvPr>
@@ -3581,7 +3581,7 @@
             <p:cNvPr id="32" name="직사각형 31">
               <a:extLst>
                 <a:ext uri="{FF2B5EF4-FFF2-40B4-BE49-F238E27FC236}">
-                  <a16:creationId xmlns="" xmlns:a16="http://schemas.microsoft.com/office/drawing/2014/main" id="{15780B38-3605-618F-91B0-07D654B49D4D}"/>
+                  <a16:creationId xmlns:a16="http://schemas.microsoft.com/office/drawing/2014/main" xmlns="" id="{15780B38-3605-618F-91B0-07D654B49D4D}"/>
                 </a:ext>
               </a:extLst>
             </p:cNvPr>
@@ -3697,7 +3697,7 @@
         <p:cNvPr id="1" name="">
           <a:extLst>
             <a:ext uri="{FF2B5EF4-FFF2-40B4-BE49-F238E27FC236}">
-              <a16:creationId xmlns="" xmlns:a16="http://schemas.microsoft.com/office/drawing/2014/main" id="{BB5F794E-283C-A899-9161-38C368F683B8}"/>
+              <a16:creationId xmlns:a16="http://schemas.microsoft.com/office/drawing/2014/main" xmlns="" id="{BB5F794E-283C-A899-9161-38C368F683B8}"/>
             </a:ext>
           </a:extLst>
         </p:cNvPr>
@@ -3717,7 +3717,7 @@
           <p:cNvPr id="2" name="TextBox 1">
             <a:extLst>
               <a:ext uri="{FF2B5EF4-FFF2-40B4-BE49-F238E27FC236}">
-                <a16:creationId xmlns="" xmlns:a16="http://schemas.microsoft.com/office/drawing/2014/main" id="{C7F6BC02-2E76-C5F3-4FF7-F7D6EE807D64}"/>
+                <a16:creationId xmlns:a16="http://schemas.microsoft.com/office/drawing/2014/main" xmlns="" id="{C7F6BC02-2E76-C5F3-4FF7-F7D6EE807D64}"/>
               </a:ext>
             </a:extLst>
           </p:cNvPr>
@@ -3768,7 +3768,7 @@
           <p:cNvPr id="14" name="TextBox 13">
             <a:extLst>
               <a:ext uri="{FF2B5EF4-FFF2-40B4-BE49-F238E27FC236}">
-                <a16:creationId xmlns="" xmlns:a16="http://schemas.microsoft.com/office/drawing/2014/main" id="{CFCB4909-E6A8-74EB-3BCE-A07ED746715A}"/>
+                <a16:creationId xmlns:a16="http://schemas.microsoft.com/office/drawing/2014/main" xmlns="" id="{CFCB4909-E6A8-74EB-3BCE-A07ED746715A}"/>
               </a:ext>
             </a:extLst>
           </p:cNvPr>
@@ -4057,7 +4057,7 @@
             <p:cNvPr id="26" name="TextBox 25">
               <a:extLst>
                 <a:ext uri="{FF2B5EF4-FFF2-40B4-BE49-F238E27FC236}">
-                  <a16:creationId xmlns="" xmlns:a16="http://schemas.microsoft.com/office/drawing/2014/main" id="{77CB7E9A-C0C7-E141-D691-0AD3C63854B5}"/>
+                  <a16:creationId xmlns:a16="http://schemas.microsoft.com/office/drawing/2014/main" xmlns="" id="{77CB7E9A-C0C7-E141-D691-0AD3C63854B5}"/>
                 </a:ext>
               </a:extLst>
             </p:cNvPr>
@@ -4101,7 +4101,7 @@
             <p:cNvPr id="32" name="직사각형 31">
               <a:extLst>
                 <a:ext uri="{FF2B5EF4-FFF2-40B4-BE49-F238E27FC236}">
-                  <a16:creationId xmlns="" xmlns:a16="http://schemas.microsoft.com/office/drawing/2014/main" id="{15780B38-3605-618F-91B0-07D654B49D4D}"/>
+                  <a16:creationId xmlns:a16="http://schemas.microsoft.com/office/drawing/2014/main" xmlns="" id="{15780B38-3605-618F-91B0-07D654B49D4D}"/>
                 </a:ext>
               </a:extLst>
             </p:cNvPr>
@@ -4171,7 +4171,7 @@
             <p:cNvPr id="34" name="그림 33" descr="텍스트, 스크린샷, 대칭이(가) 표시된 사진&#10;&#10;AI 생성 콘텐츠는 정확하지 않을 수 있습니다.">
               <a:extLst>
                 <a:ext uri="{FF2B5EF4-FFF2-40B4-BE49-F238E27FC236}">
-                  <a16:creationId xmlns="" xmlns:a16="http://schemas.microsoft.com/office/drawing/2014/main" id="{CD7B8C8D-A4D8-322B-8C3D-F5A8FE6065F7}"/>
+                  <a16:creationId xmlns:a16="http://schemas.microsoft.com/office/drawing/2014/main" xmlns="" id="{CD7B8C8D-A4D8-322B-8C3D-F5A8FE6065F7}"/>
                 </a:ext>
               </a:extLst>
             </p:cNvPr>
@@ -4206,7 +4206,7 @@
             <p:cNvPr id="37" name="TextBox 36">
               <a:extLst>
                 <a:ext uri="{FF2B5EF4-FFF2-40B4-BE49-F238E27FC236}">
-                  <a16:creationId xmlns="" xmlns:a16="http://schemas.microsoft.com/office/drawing/2014/main" id="{30BCC1FC-7DB7-30F3-41C1-2AEFF95265FC}"/>
+                  <a16:creationId xmlns:a16="http://schemas.microsoft.com/office/drawing/2014/main" xmlns="" id="{30BCC1FC-7DB7-30F3-41C1-2AEFF95265FC}"/>
                 </a:ext>
               </a:extLst>
             </p:cNvPr>
@@ -4284,7 +4284,7 @@
             <p:cNvPr id="46" name="직선 화살표 연결선 45">
               <a:extLst>
                 <a:ext uri="{FF2B5EF4-FFF2-40B4-BE49-F238E27FC236}">
-                  <a16:creationId xmlns="" xmlns:a16="http://schemas.microsoft.com/office/drawing/2014/main" id="{1AAEFB2E-9455-AFCB-B8DD-23409E8C12B3}"/>
+                  <a16:creationId xmlns:a16="http://schemas.microsoft.com/office/drawing/2014/main" xmlns="" id="{1AAEFB2E-9455-AFCB-B8DD-23409E8C12B3}"/>
                 </a:ext>
               </a:extLst>
             </p:cNvPr>
@@ -4323,7 +4323,7 @@
             <p:cNvPr id="48" name="TextBox 47">
               <a:extLst>
                 <a:ext uri="{FF2B5EF4-FFF2-40B4-BE49-F238E27FC236}">
-                  <a16:creationId xmlns="" xmlns:a16="http://schemas.microsoft.com/office/drawing/2014/main" id="{30BCC1FC-7DB7-30F3-41C1-2AEFF95265FC}"/>
+                  <a16:creationId xmlns:a16="http://schemas.microsoft.com/office/drawing/2014/main" xmlns="" id="{30BCC1FC-7DB7-30F3-41C1-2AEFF95265FC}"/>
                 </a:ext>
               </a:extLst>
             </p:cNvPr>
@@ -4370,7 +4370,7 @@
           <p:cNvPr id="49" name="그룹 48">
             <a:extLst>
               <a:ext uri="{FF2B5EF4-FFF2-40B4-BE49-F238E27FC236}">
-                <a16:creationId xmlns="" xmlns:a16="http://schemas.microsoft.com/office/drawing/2014/main" id="{05581450-87CB-F162-2791-830C88FBB26E}"/>
+                <a16:creationId xmlns:a16="http://schemas.microsoft.com/office/drawing/2014/main" xmlns="" id="{05581450-87CB-F162-2791-830C88FBB26E}"/>
               </a:ext>
             </a:extLst>
           </p:cNvPr>
@@ -4390,7 +4390,7 @@
             <p:cNvPr id="50" name="그림 49" descr="텍스트, 스크린샷, 대칭이(가) 표시된 사진&#10;&#10;AI 생성 콘텐츠는 정확하지 않을 수 있습니다.">
               <a:extLst>
                 <a:ext uri="{FF2B5EF4-FFF2-40B4-BE49-F238E27FC236}">
-                  <a16:creationId xmlns="" xmlns:a16="http://schemas.microsoft.com/office/drawing/2014/main" id="{CD7B8C8D-A4D8-322B-8C3D-F5A8FE6065F7}"/>
+                  <a16:creationId xmlns:a16="http://schemas.microsoft.com/office/drawing/2014/main" xmlns="" id="{CD7B8C8D-A4D8-322B-8C3D-F5A8FE6065F7}"/>
                 </a:ext>
               </a:extLst>
             </p:cNvPr>
@@ -4425,7 +4425,7 @@
             <p:cNvPr id="51" name="그림 50" descr="텍스트, 스크린샷, 대칭이(가) 표시된 사진&#10;&#10;AI 생성 콘텐츠는 정확하지 않을 수 있습니다.">
               <a:extLst>
                 <a:ext uri="{FF2B5EF4-FFF2-40B4-BE49-F238E27FC236}">
-                  <a16:creationId xmlns="" xmlns:a16="http://schemas.microsoft.com/office/drawing/2014/main" id="{76503CB1-FBA7-3237-3C4F-A12D04320ABA}"/>
+                  <a16:creationId xmlns:a16="http://schemas.microsoft.com/office/drawing/2014/main" xmlns="" id="{76503CB1-FBA7-3237-3C4F-A12D04320ABA}"/>
                 </a:ext>
               </a:extLst>
             </p:cNvPr>
@@ -4460,7 +4460,7 @@
             <p:cNvPr id="52" name="그림 51" descr="텍스트, 스크린샷, 대칭이(가) 표시된 사진&#10;&#10;AI 생성 콘텐츠는 정확하지 않을 수 있습니다.">
               <a:extLst>
                 <a:ext uri="{FF2B5EF4-FFF2-40B4-BE49-F238E27FC236}">
-                  <a16:creationId xmlns="" xmlns:a16="http://schemas.microsoft.com/office/drawing/2014/main" id="{3E64E56E-FA64-0DDC-45A9-DA413E4ED448}"/>
+                  <a16:creationId xmlns:a16="http://schemas.microsoft.com/office/drawing/2014/main" xmlns="" id="{3E64E56E-FA64-0DDC-45A9-DA413E4ED448}"/>
                 </a:ext>
               </a:extLst>
             </p:cNvPr>
@@ -4510,7 +4510,7 @@
             <p:cNvPr id="17" name="그룹 16">
               <a:extLst>
                 <a:ext uri="{FF2B5EF4-FFF2-40B4-BE49-F238E27FC236}">
-                  <a16:creationId xmlns="" xmlns:a16="http://schemas.microsoft.com/office/drawing/2014/main" id="{79FA8006-6A3B-6410-A665-EA6644E73222}"/>
+                  <a16:creationId xmlns:a16="http://schemas.microsoft.com/office/drawing/2014/main" xmlns="" id="{79FA8006-6A3B-6410-A665-EA6644E73222}"/>
                 </a:ext>
               </a:extLst>
             </p:cNvPr>
@@ -4530,7 +4530,7 @@
               <p:cNvPr id="5124" name="Picture 4" descr="w=2000 (2048×829)">
                 <a:extLst>
                   <a:ext uri="{FF2B5EF4-FFF2-40B4-BE49-F238E27FC236}">
-                    <a16:creationId xmlns="" xmlns:a16="http://schemas.microsoft.com/office/drawing/2014/main" id="{7B026789-7FF6-0E8D-F89F-4E9E70766F81}"/>
+                    <a16:creationId xmlns:a16="http://schemas.microsoft.com/office/drawing/2014/main" xmlns="" id="{7B026789-7FF6-0E8D-F89F-4E9E70766F81}"/>
                   </a:ext>
                 </a:extLst>
               </p:cNvPr>
@@ -4575,7 +4575,7 @@
               <p:cNvPr id="12" name="그림 11" descr="Polars - NamuWiki">
                 <a:extLst>
                   <a:ext uri="{FF2B5EF4-FFF2-40B4-BE49-F238E27FC236}">
-                    <a16:creationId xmlns="" xmlns:a16="http://schemas.microsoft.com/office/drawing/2014/main" id="{23D18B9B-BC53-4A05-F218-89047DC6D615}"/>
+                    <a16:creationId xmlns:a16="http://schemas.microsoft.com/office/drawing/2014/main" xmlns="" id="{23D18B9B-BC53-4A05-F218-89047DC6D615}"/>
                   </a:ext>
                 </a:extLst>
               </p:cNvPr>
@@ -4620,7 +4620,7 @@
               <p:cNvPr id="53" name="직선 화살표 연결선 52">
                 <a:extLst>
                   <a:ext uri="{FF2B5EF4-FFF2-40B4-BE49-F238E27FC236}">
-                    <a16:creationId xmlns="" xmlns:a16="http://schemas.microsoft.com/office/drawing/2014/main" id="{1AAEFB2E-9455-AFCB-B8DD-23409E8C12B3}"/>
+                    <a16:creationId xmlns:a16="http://schemas.microsoft.com/office/drawing/2014/main" xmlns="" id="{1AAEFB2E-9455-AFCB-B8DD-23409E8C12B3}"/>
                   </a:ext>
                 </a:extLst>
               </p:cNvPr>
@@ -4659,7 +4659,7 @@
               <p:cNvPr id="54" name="TextBox 53">
                 <a:extLst>
                   <a:ext uri="{FF2B5EF4-FFF2-40B4-BE49-F238E27FC236}">
-                    <a16:creationId xmlns="" xmlns:a16="http://schemas.microsoft.com/office/drawing/2014/main" id="{30BCC1FC-7DB7-30F3-41C1-2AEFF95265FC}"/>
+                    <a16:creationId xmlns:a16="http://schemas.microsoft.com/office/drawing/2014/main" xmlns="" id="{30BCC1FC-7DB7-30F3-41C1-2AEFF95265FC}"/>
                   </a:ext>
                 </a:extLst>
               </p:cNvPr>
@@ -5042,7 +5042,7 @@
             <p:cNvPr id="79" name="직선 화살표 연결선 78">
               <a:extLst>
                 <a:ext uri="{FF2B5EF4-FFF2-40B4-BE49-F238E27FC236}">
-                  <a16:creationId xmlns="" xmlns:a16="http://schemas.microsoft.com/office/drawing/2014/main" id="{1AAEFB2E-9455-AFCB-B8DD-23409E8C12B3}"/>
+                  <a16:creationId xmlns:a16="http://schemas.microsoft.com/office/drawing/2014/main" xmlns="" id="{1AAEFB2E-9455-AFCB-B8DD-23409E8C12B3}"/>
                 </a:ext>
               </a:extLst>
             </p:cNvPr>
@@ -5081,7 +5081,7 @@
             <p:cNvPr id="80" name="TextBox 79">
               <a:extLst>
                 <a:ext uri="{FF2B5EF4-FFF2-40B4-BE49-F238E27FC236}">
-                  <a16:creationId xmlns="" xmlns:a16="http://schemas.microsoft.com/office/drawing/2014/main" id="{30BCC1FC-7DB7-30F3-41C1-2AEFF95265FC}"/>
+                  <a16:creationId xmlns:a16="http://schemas.microsoft.com/office/drawing/2014/main" xmlns="" id="{30BCC1FC-7DB7-30F3-41C1-2AEFF95265FC}"/>
                 </a:ext>
               </a:extLst>
             </p:cNvPr>
@@ -5142,7 +5142,7 @@
             <p:cNvPr id="83" name="직선 화살표 연결선 82">
               <a:extLst>
                 <a:ext uri="{FF2B5EF4-FFF2-40B4-BE49-F238E27FC236}">
-                  <a16:creationId xmlns="" xmlns:a16="http://schemas.microsoft.com/office/drawing/2014/main" id="{1AAEFB2E-9455-AFCB-B8DD-23409E8C12B3}"/>
+                  <a16:creationId xmlns:a16="http://schemas.microsoft.com/office/drawing/2014/main" xmlns="" id="{1AAEFB2E-9455-AFCB-B8DD-23409E8C12B3}"/>
                 </a:ext>
               </a:extLst>
             </p:cNvPr>
@@ -5181,7 +5181,7 @@
             <p:cNvPr id="84" name="TextBox 83">
               <a:extLst>
                 <a:ext uri="{FF2B5EF4-FFF2-40B4-BE49-F238E27FC236}">
-                  <a16:creationId xmlns="" xmlns:a16="http://schemas.microsoft.com/office/drawing/2014/main" id="{30BCC1FC-7DB7-30F3-41C1-2AEFF95265FC}"/>
+                  <a16:creationId xmlns:a16="http://schemas.microsoft.com/office/drawing/2014/main" xmlns="" id="{30BCC1FC-7DB7-30F3-41C1-2AEFF95265FC}"/>
                 </a:ext>
               </a:extLst>
             </p:cNvPr>
@@ -5249,7 +5249,7 @@
             <p:cNvPr id="86" name="직선 화살표 연결선 85">
               <a:extLst>
                 <a:ext uri="{FF2B5EF4-FFF2-40B4-BE49-F238E27FC236}">
-                  <a16:creationId xmlns="" xmlns:a16="http://schemas.microsoft.com/office/drawing/2014/main" id="{1AAEFB2E-9455-AFCB-B8DD-23409E8C12B3}"/>
+                  <a16:creationId xmlns:a16="http://schemas.microsoft.com/office/drawing/2014/main" xmlns="" id="{1AAEFB2E-9455-AFCB-B8DD-23409E8C12B3}"/>
                 </a:ext>
               </a:extLst>
             </p:cNvPr>
@@ -5288,7 +5288,7 @@
             <p:cNvPr id="87" name="TextBox 86">
               <a:extLst>
                 <a:ext uri="{FF2B5EF4-FFF2-40B4-BE49-F238E27FC236}">
-                  <a16:creationId xmlns="" xmlns:a16="http://schemas.microsoft.com/office/drawing/2014/main" id="{30BCC1FC-7DB7-30F3-41C1-2AEFF95265FC}"/>
+                  <a16:creationId xmlns:a16="http://schemas.microsoft.com/office/drawing/2014/main" xmlns="" id="{30BCC1FC-7DB7-30F3-41C1-2AEFF95265FC}"/>
                 </a:ext>
               </a:extLst>
             </p:cNvPr>
@@ -5370,7 +5370,7 @@
             <p:cNvPr id="89" name="Picture 16" descr="Protecting Data in Google BigQuery Native Tables (part 1)">
               <a:extLst>
                 <a:ext uri="{FF2B5EF4-FFF2-40B4-BE49-F238E27FC236}">
-                  <a16:creationId xmlns="" xmlns:a16="http://schemas.microsoft.com/office/drawing/2014/main" id="{570D872E-BBE2-4CDF-21BC-AA8A069437F6}"/>
+                  <a16:creationId xmlns:a16="http://schemas.microsoft.com/office/drawing/2014/main" xmlns="" id="{570D872E-BBE2-4CDF-21BC-AA8A069437F6}"/>
                 </a:ext>
               </a:extLst>
             </p:cNvPr>
@@ -5415,7 +5415,7 @@
             <p:cNvPr id="90" name="TextBox 89">
               <a:extLst>
                 <a:ext uri="{FF2B5EF4-FFF2-40B4-BE49-F238E27FC236}">
-                  <a16:creationId xmlns="" xmlns:a16="http://schemas.microsoft.com/office/drawing/2014/main" id="{30BCC1FC-7DB7-30F3-41C1-2AEFF95265FC}"/>
+                  <a16:creationId xmlns:a16="http://schemas.microsoft.com/office/drawing/2014/main" xmlns="" id="{30BCC1FC-7DB7-30F3-41C1-2AEFF95265FC}"/>
                 </a:ext>
               </a:extLst>
             </p:cNvPr>
@@ -5486,7 +5486,7 @@
         <p:cNvPr id="1" name="">
           <a:extLst>
             <a:ext uri="{FF2B5EF4-FFF2-40B4-BE49-F238E27FC236}">
-              <a16:creationId xmlns="" xmlns:a16="http://schemas.microsoft.com/office/drawing/2014/main" id="{BB5F794E-283C-A899-9161-38C368F683B8}"/>
+              <a16:creationId xmlns:a16="http://schemas.microsoft.com/office/drawing/2014/main" xmlns="" id="{BB5F794E-283C-A899-9161-38C368F683B8}"/>
             </a:ext>
           </a:extLst>
         </p:cNvPr>
@@ -5506,7 +5506,7 @@
           <p:cNvPr id="2" name="TextBox 1">
             <a:extLst>
               <a:ext uri="{FF2B5EF4-FFF2-40B4-BE49-F238E27FC236}">
-                <a16:creationId xmlns="" xmlns:a16="http://schemas.microsoft.com/office/drawing/2014/main" id="{C7F6BC02-2E76-C5F3-4FF7-F7D6EE807D64}"/>
+                <a16:creationId xmlns:a16="http://schemas.microsoft.com/office/drawing/2014/main" xmlns="" id="{C7F6BC02-2E76-C5F3-4FF7-F7D6EE807D64}"/>
               </a:ext>
             </a:extLst>
           </p:cNvPr>
@@ -5653,7 +5653,7 @@
             <p:cNvPr id="68" name="직선 화살표 연결선 67">
               <a:extLst>
                 <a:ext uri="{FF2B5EF4-FFF2-40B4-BE49-F238E27FC236}">
-                  <a16:creationId xmlns="" xmlns:a16="http://schemas.microsoft.com/office/drawing/2014/main" id="{1AAEFB2E-9455-AFCB-B8DD-23409E8C12B3}"/>
+                  <a16:creationId xmlns:a16="http://schemas.microsoft.com/office/drawing/2014/main" xmlns="" id="{1AAEFB2E-9455-AFCB-B8DD-23409E8C12B3}"/>
                 </a:ext>
               </a:extLst>
             </p:cNvPr>
@@ -5692,7 +5692,7 @@
             <p:cNvPr id="71" name="TextBox 70">
               <a:extLst>
                 <a:ext uri="{FF2B5EF4-FFF2-40B4-BE49-F238E27FC236}">
-                  <a16:creationId xmlns="" xmlns:a16="http://schemas.microsoft.com/office/drawing/2014/main" id="{30BCC1FC-7DB7-30F3-41C1-2AEFF95265FC}"/>
+                  <a16:creationId xmlns:a16="http://schemas.microsoft.com/office/drawing/2014/main" xmlns="" id="{30BCC1FC-7DB7-30F3-41C1-2AEFF95265FC}"/>
                 </a:ext>
               </a:extLst>
             </p:cNvPr>
@@ -5806,7 +5806,7 @@
               <p:cNvPr id="72" name="TextBox 71">
                 <a:extLst>
                   <a:ext uri="{FF2B5EF4-FFF2-40B4-BE49-F238E27FC236}">
-                    <a16:creationId xmlns="" xmlns:a16="http://schemas.microsoft.com/office/drawing/2014/main" id="{30BCC1FC-7DB7-30F3-41C1-2AEFF95265FC}"/>
+                    <a16:creationId xmlns:a16="http://schemas.microsoft.com/office/drawing/2014/main" xmlns="" id="{30BCC1FC-7DB7-30F3-41C1-2AEFF95265FC}"/>
                   </a:ext>
                 </a:extLst>
               </p:cNvPr>
@@ -6028,7 +6028,7 @@
             <p:cNvPr id="76" name="직선 화살표 연결선 75">
               <a:extLst>
                 <a:ext uri="{FF2B5EF4-FFF2-40B4-BE49-F238E27FC236}">
-                  <a16:creationId xmlns="" xmlns:a16="http://schemas.microsoft.com/office/drawing/2014/main" id="{1AAEFB2E-9455-AFCB-B8DD-23409E8C12B3}"/>
+                  <a16:creationId xmlns:a16="http://schemas.microsoft.com/office/drawing/2014/main" xmlns="" id="{1AAEFB2E-9455-AFCB-B8DD-23409E8C12B3}"/>
                 </a:ext>
               </a:extLst>
             </p:cNvPr>
@@ -6082,7 +6082,7 @@
             <p:cNvPr id="88" name="직선 화살표 연결선 87">
               <a:extLst>
                 <a:ext uri="{FF2B5EF4-FFF2-40B4-BE49-F238E27FC236}">
-                  <a16:creationId xmlns="" xmlns:a16="http://schemas.microsoft.com/office/drawing/2014/main" id="{1AAEFB2E-9455-AFCB-B8DD-23409E8C12B3}"/>
+                  <a16:creationId xmlns:a16="http://schemas.microsoft.com/office/drawing/2014/main" xmlns="" id="{1AAEFB2E-9455-AFCB-B8DD-23409E8C12B3}"/>
                 </a:ext>
               </a:extLst>
             </p:cNvPr>
@@ -6121,7 +6121,7 @@
             <p:cNvPr id="89" name="TextBox 88">
               <a:extLst>
                 <a:ext uri="{FF2B5EF4-FFF2-40B4-BE49-F238E27FC236}">
-                  <a16:creationId xmlns="" xmlns:a16="http://schemas.microsoft.com/office/drawing/2014/main" id="{30BCC1FC-7DB7-30F3-41C1-2AEFF95265FC}"/>
+                  <a16:creationId xmlns:a16="http://schemas.microsoft.com/office/drawing/2014/main" xmlns="" id="{30BCC1FC-7DB7-30F3-41C1-2AEFF95265FC}"/>
                 </a:ext>
               </a:extLst>
             </p:cNvPr>
@@ -6196,7 +6196,7 @@
             <p:cNvPr id="99" name="Picture 16" descr="Protecting Data in Google BigQuery Native Tables (part 1)">
               <a:extLst>
                 <a:ext uri="{FF2B5EF4-FFF2-40B4-BE49-F238E27FC236}">
-                  <a16:creationId xmlns="" xmlns:a16="http://schemas.microsoft.com/office/drawing/2014/main" id="{570D872E-BBE2-4CDF-21BC-AA8A069437F6}"/>
+                  <a16:creationId xmlns:a16="http://schemas.microsoft.com/office/drawing/2014/main" xmlns="" id="{570D872E-BBE2-4CDF-21BC-AA8A069437F6}"/>
                 </a:ext>
               </a:extLst>
             </p:cNvPr>
@@ -6241,7 +6241,7 @@
             <p:cNvPr id="100" name="TextBox 99">
               <a:extLst>
                 <a:ext uri="{FF2B5EF4-FFF2-40B4-BE49-F238E27FC236}">
-                  <a16:creationId xmlns="" xmlns:a16="http://schemas.microsoft.com/office/drawing/2014/main" id="{30BCC1FC-7DB7-30F3-41C1-2AEFF95265FC}"/>
+                  <a16:creationId xmlns:a16="http://schemas.microsoft.com/office/drawing/2014/main" xmlns="" id="{30BCC1FC-7DB7-30F3-41C1-2AEFF95265FC}"/>
                 </a:ext>
               </a:extLst>
             </p:cNvPr>
@@ -6303,7 +6303,7 @@
             <p:cNvPr id="14" name="TextBox 13">
               <a:extLst>
                 <a:ext uri="{FF2B5EF4-FFF2-40B4-BE49-F238E27FC236}">
-                  <a16:creationId xmlns="" xmlns:a16="http://schemas.microsoft.com/office/drawing/2014/main" id="{CFCB4909-E6A8-74EB-3BCE-A07ED746715A}"/>
+                  <a16:creationId xmlns:a16="http://schemas.microsoft.com/office/drawing/2014/main" xmlns="" id="{CFCB4909-E6A8-74EB-3BCE-A07ED746715A}"/>
                 </a:ext>
               </a:extLst>
             </p:cNvPr>
@@ -6704,7 +6704,7 @@
               <p:cNvPr id="102" name="TextBox 101">
                 <a:extLst>
                   <a:ext uri="{FF2B5EF4-FFF2-40B4-BE49-F238E27FC236}">
-                    <a16:creationId xmlns="" xmlns:a16="http://schemas.microsoft.com/office/drawing/2014/main" id="{77CB7E9A-C0C7-E141-D691-0AD3C63854B5}"/>
+                    <a16:creationId xmlns:a16="http://schemas.microsoft.com/office/drawing/2014/main" xmlns="" id="{77CB7E9A-C0C7-E141-D691-0AD3C63854B5}"/>
                   </a:ext>
                 </a:extLst>
               </p:cNvPr>
@@ -6748,7 +6748,7 @@
               <p:cNvPr id="103" name="직사각형 102">
                 <a:extLst>
                   <a:ext uri="{FF2B5EF4-FFF2-40B4-BE49-F238E27FC236}">
-                    <a16:creationId xmlns="" xmlns:a16="http://schemas.microsoft.com/office/drawing/2014/main" id="{15780B38-3605-618F-91B0-07D654B49D4D}"/>
+                    <a16:creationId xmlns:a16="http://schemas.microsoft.com/office/drawing/2014/main" xmlns="" id="{15780B38-3605-618F-91B0-07D654B49D4D}"/>
                   </a:ext>
                 </a:extLst>
               </p:cNvPr>
@@ -6953,7 +6953,7 @@
             <p:cNvPr id="105" name="TextBox 104">
               <a:extLst>
                 <a:ext uri="{FF2B5EF4-FFF2-40B4-BE49-F238E27FC236}">
-                  <a16:creationId xmlns="" xmlns:a16="http://schemas.microsoft.com/office/drawing/2014/main" id="{30BCC1FC-7DB7-30F3-41C1-2AEFF95265FC}"/>
+                  <a16:creationId xmlns:a16="http://schemas.microsoft.com/office/drawing/2014/main" xmlns="" id="{30BCC1FC-7DB7-30F3-41C1-2AEFF95265FC}"/>
                 </a:ext>
               </a:extLst>
             </p:cNvPr>
@@ -7015,7 +7015,7 @@
             <p:cNvPr id="107" name="직선 화살표 연결선 106">
               <a:extLst>
                 <a:ext uri="{FF2B5EF4-FFF2-40B4-BE49-F238E27FC236}">
-                  <a16:creationId xmlns="" xmlns:a16="http://schemas.microsoft.com/office/drawing/2014/main" id="{1AAEFB2E-9455-AFCB-B8DD-23409E8C12B3}"/>
+                  <a16:creationId xmlns:a16="http://schemas.microsoft.com/office/drawing/2014/main" xmlns="" id="{1AAEFB2E-9455-AFCB-B8DD-23409E8C12B3}"/>
                 </a:ext>
               </a:extLst>
             </p:cNvPr>
@@ -7054,7 +7054,7 @@
             <p:cNvPr id="108" name="TextBox 107">
               <a:extLst>
                 <a:ext uri="{FF2B5EF4-FFF2-40B4-BE49-F238E27FC236}">
-                  <a16:creationId xmlns="" xmlns:a16="http://schemas.microsoft.com/office/drawing/2014/main" id="{30BCC1FC-7DB7-30F3-41C1-2AEFF95265FC}"/>
+                  <a16:creationId xmlns:a16="http://schemas.microsoft.com/office/drawing/2014/main" xmlns="" id="{30BCC1FC-7DB7-30F3-41C1-2AEFF95265FC}"/>
                 </a:ext>
               </a:extLst>
             </p:cNvPr>
@@ -7101,7 +7101,7 @@
           <p:cNvPr id="110" name="직선 화살표 연결선 109">
             <a:extLst>
               <a:ext uri="{FF2B5EF4-FFF2-40B4-BE49-F238E27FC236}">
-                <a16:creationId xmlns="" xmlns:a16="http://schemas.microsoft.com/office/drawing/2014/main" id="{1AAEFB2E-9455-AFCB-B8DD-23409E8C12B3}"/>
+                <a16:creationId xmlns:a16="http://schemas.microsoft.com/office/drawing/2014/main" xmlns="" id="{1AAEFB2E-9455-AFCB-B8DD-23409E8C12B3}"/>
               </a:ext>
             </a:extLst>
           </p:cNvPr>
@@ -7140,7 +7140,7 @@
           <p:cNvPr id="111" name="TextBox 110">
             <a:extLst>
               <a:ext uri="{FF2B5EF4-FFF2-40B4-BE49-F238E27FC236}">
-                <a16:creationId xmlns="" xmlns:a16="http://schemas.microsoft.com/office/drawing/2014/main" id="{30BCC1FC-7DB7-30F3-41C1-2AEFF95265FC}"/>
+                <a16:creationId xmlns:a16="http://schemas.microsoft.com/office/drawing/2014/main" xmlns="" id="{30BCC1FC-7DB7-30F3-41C1-2AEFF95265FC}"/>
               </a:ext>
             </a:extLst>
           </p:cNvPr>
@@ -7214,7 +7214,7 @@
             <p:cNvPr id="112" name="직선 화살표 연결선 111">
               <a:extLst>
                 <a:ext uri="{FF2B5EF4-FFF2-40B4-BE49-F238E27FC236}">
-                  <a16:creationId xmlns="" xmlns:a16="http://schemas.microsoft.com/office/drawing/2014/main" id="{1AAEFB2E-9455-AFCB-B8DD-23409E8C12B3}"/>
+                  <a16:creationId xmlns:a16="http://schemas.microsoft.com/office/drawing/2014/main" xmlns="" id="{1AAEFB2E-9455-AFCB-B8DD-23409E8C12B3}"/>
                 </a:ext>
               </a:extLst>
             </p:cNvPr>
@@ -7253,7 +7253,7 @@
             <p:cNvPr id="113" name="TextBox 112">
               <a:extLst>
                 <a:ext uri="{FF2B5EF4-FFF2-40B4-BE49-F238E27FC236}">
-                  <a16:creationId xmlns="" xmlns:a16="http://schemas.microsoft.com/office/drawing/2014/main" id="{30BCC1FC-7DB7-30F3-41C1-2AEFF95265FC}"/>
+                  <a16:creationId xmlns:a16="http://schemas.microsoft.com/office/drawing/2014/main" xmlns="" id="{30BCC1FC-7DB7-30F3-41C1-2AEFF95265FC}"/>
                 </a:ext>
               </a:extLst>
             </p:cNvPr>
@@ -7362,7 +7362,7 @@
             <p:cNvPr id="119" name="TextBox 118">
               <a:extLst>
                 <a:ext uri="{FF2B5EF4-FFF2-40B4-BE49-F238E27FC236}">
-                  <a16:creationId xmlns="" xmlns:a16="http://schemas.microsoft.com/office/drawing/2014/main" id="{30BCC1FC-7DB7-30F3-41C1-2AEFF95265FC}"/>
+                  <a16:creationId xmlns:a16="http://schemas.microsoft.com/office/drawing/2014/main" xmlns="" id="{30BCC1FC-7DB7-30F3-41C1-2AEFF95265FC}"/>
                 </a:ext>
               </a:extLst>
             </p:cNvPr>
@@ -7695,7 +7695,7 @@
               <p:cNvPr id="24" name="TextBox 23">
                 <a:extLst>
                   <a:ext uri="{FF2B5EF4-FFF2-40B4-BE49-F238E27FC236}">
-                    <a16:creationId xmlns="" xmlns:a16="http://schemas.microsoft.com/office/drawing/2014/main" id="{77CB7E9A-C0C7-E141-D691-0AD3C63854B5}"/>
+                    <a16:creationId xmlns:a16="http://schemas.microsoft.com/office/drawing/2014/main" xmlns="" id="{77CB7E9A-C0C7-E141-D691-0AD3C63854B5}"/>
                   </a:ext>
                 </a:extLst>
               </p:cNvPr>
@@ -7739,7 +7739,7 @@
               <p:cNvPr id="25" name="직사각형 24">
                 <a:extLst>
                   <a:ext uri="{FF2B5EF4-FFF2-40B4-BE49-F238E27FC236}">
-                    <a16:creationId xmlns="" xmlns:a16="http://schemas.microsoft.com/office/drawing/2014/main" id="{15780B38-3605-618F-91B0-07D654B49D4D}"/>
+                    <a16:creationId xmlns:a16="http://schemas.microsoft.com/office/drawing/2014/main" xmlns="" id="{15780B38-3605-618F-91B0-07D654B49D4D}"/>
                   </a:ext>
                 </a:extLst>
               </p:cNvPr>
@@ -7833,7 +7833,7 @@
           <p:cNvPr id="26" name="TextBox 25">
             <a:extLst>
               <a:ext uri="{FF2B5EF4-FFF2-40B4-BE49-F238E27FC236}">
-                <a16:creationId xmlns="" xmlns:a16="http://schemas.microsoft.com/office/drawing/2014/main" id="{C7F6BC02-2E76-C5F3-4FF7-F7D6EE807D64}"/>
+                <a16:creationId xmlns:a16="http://schemas.microsoft.com/office/drawing/2014/main" xmlns="" id="{C7F6BC02-2E76-C5F3-4FF7-F7D6EE807D64}"/>
               </a:ext>
             </a:extLst>
           </p:cNvPr>
@@ -8276,7 +8276,7 @@
           <p:cNvPr id="6" name="TextBox 5">
             <a:extLst>
               <a:ext uri="{FF2B5EF4-FFF2-40B4-BE49-F238E27FC236}">
-                <a16:creationId xmlns="" xmlns:a16="http://schemas.microsoft.com/office/drawing/2014/main" id="{77CB7E9A-C0C7-E141-D691-0AD3C63854B5}"/>
+                <a16:creationId xmlns:a16="http://schemas.microsoft.com/office/drawing/2014/main" xmlns="" id="{77CB7E9A-C0C7-E141-D691-0AD3C63854B5}"/>
               </a:ext>
             </a:extLst>
           </p:cNvPr>
@@ -8572,7 +8572,7 @@
           <p:cNvPr id="3" name="TextBox 2">
             <a:extLst>
               <a:ext uri="{FF2B5EF4-FFF2-40B4-BE49-F238E27FC236}">
-                <a16:creationId xmlns="" xmlns:a16="http://schemas.microsoft.com/office/drawing/2014/main" id="{9A8E7EC2-189F-4A8A-92DC-39EA60EECBEF}"/>
+                <a16:creationId xmlns:a16="http://schemas.microsoft.com/office/drawing/2014/main" xmlns="" id="{9A8E7EC2-189F-4A8A-92DC-39EA60EECBEF}"/>
               </a:ext>
             </a:extLst>
           </p:cNvPr>
@@ -9554,7 +9554,7 @@
           <p:cNvPr id="7" name="TextBox 6">
             <a:extLst>
               <a:ext uri="{FF2B5EF4-FFF2-40B4-BE49-F238E27FC236}">
-                <a16:creationId xmlns="" xmlns:a16="http://schemas.microsoft.com/office/drawing/2014/main" id="{F94D0D68-9E64-95BE-6739-0008CC6E5C69}"/>
+                <a16:creationId xmlns:a16="http://schemas.microsoft.com/office/drawing/2014/main" xmlns="" id="{F94D0D68-9E64-95BE-6739-0008CC6E5C69}"/>
               </a:ext>
             </a:extLst>
           </p:cNvPr>
@@ -11104,7 +11104,7 @@
           <p:cNvPr id="3" name="TextBox 2">
             <a:extLst>
               <a:ext uri="{FF2B5EF4-FFF2-40B4-BE49-F238E27FC236}">
-                <a16:creationId xmlns="" xmlns:a16="http://schemas.microsoft.com/office/drawing/2014/main" id="{4889F7B1-68CB-363C-A6B1-102CD67D662F}"/>
+                <a16:creationId xmlns:a16="http://schemas.microsoft.com/office/drawing/2014/main" xmlns="" id="{4889F7B1-68CB-363C-A6B1-102CD67D662F}"/>
               </a:ext>
             </a:extLst>
           </p:cNvPr>
@@ -11155,7 +11155,7 @@
           <p:cNvPr id="4" name="TextBox 3">
             <a:extLst>
               <a:ext uri="{FF2B5EF4-FFF2-40B4-BE49-F238E27FC236}">
-                <a16:creationId xmlns="" xmlns:a16="http://schemas.microsoft.com/office/drawing/2014/main" id="{B49C7DA4-CA21-696D-170F-DAF3A4E7A309}"/>
+                <a16:creationId xmlns:a16="http://schemas.microsoft.com/office/drawing/2014/main" xmlns="" id="{B49C7DA4-CA21-696D-170F-DAF3A4E7A309}"/>
               </a:ext>
             </a:extLst>
           </p:cNvPr>
@@ -11197,7 +11197,7 @@
           <p:cNvPr id="7" name="TextBox 6">
             <a:extLst>
               <a:ext uri="{FF2B5EF4-FFF2-40B4-BE49-F238E27FC236}">
-                <a16:creationId xmlns="" xmlns:a16="http://schemas.microsoft.com/office/drawing/2014/main" id="{AF42A33E-D2F7-CBF6-882D-2E56F438A089}"/>
+                <a16:creationId xmlns:a16="http://schemas.microsoft.com/office/drawing/2014/main" xmlns="" id="{AF42A33E-D2F7-CBF6-882D-2E56F438A089}"/>
               </a:ext>
             </a:extLst>
           </p:cNvPr>
@@ -11365,7 +11365,7 @@
           <p:cNvPr id="13" name="그룹 12">
             <a:extLst>
               <a:ext uri="{FF2B5EF4-FFF2-40B4-BE49-F238E27FC236}">
-                <a16:creationId xmlns="" xmlns:a16="http://schemas.microsoft.com/office/drawing/2014/main" id="{654E75E7-4D9C-6680-F577-DD9C32F84F60}"/>
+                <a16:creationId xmlns:a16="http://schemas.microsoft.com/office/drawing/2014/main" xmlns="" id="{654E75E7-4D9C-6680-F577-DD9C32F84F60}"/>
               </a:ext>
             </a:extLst>
           </p:cNvPr>
@@ -11390,7 +11390,7 @@
             <p:cNvPr id="12" name="직사각형 11">
               <a:extLst>
                 <a:ext uri="{FF2B5EF4-FFF2-40B4-BE49-F238E27FC236}">
-                  <a16:creationId xmlns="" xmlns:a16="http://schemas.microsoft.com/office/drawing/2014/main" id="{BA037D86-143A-3448-00B4-7C256E488D76}"/>
+                  <a16:creationId xmlns:a16="http://schemas.microsoft.com/office/drawing/2014/main" xmlns="" id="{BA037D86-143A-3448-00B4-7C256E488D76}"/>
                 </a:ext>
               </a:extLst>
             </p:cNvPr>
@@ -11443,7 +11443,7 @@
             <p:cNvPr id="9" name="그림 8" descr="텍스트, 도표, 스크린샷이(가) 표시된 사진&#10;&#10;AI 생성 콘텐츠는 정확하지 않을 수 있습니다.">
               <a:extLst>
                 <a:ext uri="{FF2B5EF4-FFF2-40B4-BE49-F238E27FC236}">
-                  <a16:creationId xmlns="" xmlns:a16="http://schemas.microsoft.com/office/drawing/2014/main" id="{328AE823-2ACF-0F44-340B-149981F7C10A}"/>
+                  <a16:creationId xmlns:a16="http://schemas.microsoft.com/office/drawing/2014/main" xmlns="" id="{328AE823-2ACF-0F44-340B-149981F7C10A}"/>
                 </a:ext>
               </a:extLst>
             </p:cNvPr>
@@ -11474,7 +11474,7 @@
             <p:cNvPr id="10" name="그림 9" descr="텍스트, 스크린샷, 도표, 폰트이(가) 표시된 사진&#10;&#10;AI 생성 콘텐츠는 정확하지 않을 수 있습니다.">
               <a:extLst>
                 <a:ext uri="{FF2B5EF4-FFF2-40B4-BE49-F238E27FC236}">
-                  <a16:creationId xmlns="" xmlns:a16="http://schemas.microsoft.com/office/drawing/2014/main" id="{A0A9F7E7-6F85-CABF-CA86-9BFC797E6057}"/>
+                  <a16:creationId xmlns:a16="http://schemas.microsoft.com/office/drawing/2014/main" xmlns="" id="{A0A9F7E7-6F85-CABF-CA86-9BFC797E6057}"/>
                 </a:ext>
               </a:extLst>
             </p:cNvPr>
@@ -11505,7 +11505,7 @@
             <p:cNvPr id="11" name="그림 10" descr="텍스트, 스크린샷, 도표, 다채로움이(가) 표시된 사진&#10;&#10;AI 생성 콘텐츠는 정확하지 않을 수 있습니다.">
               <a:extLst>
                 <a:ext uri="{FF2B5EF4-FFF2-40B4-BE49-F238E27FC236}">
-                  <a16:creationId xmlns="" xmlns:a16="http://schemas.microsoft.com/office/drawing/2014/main" id="{757AB1F2-7C33-CA7E-00E3-EDD52E718ADC}"/>
+                  <a16:creationId xmlns:a16="http://schemas.microsoft.com/office/drawing/2014/main" xmlns="" id="{757AB1F2-7C33-CA7E-00E3-EDD52E718ADC}"/>
                 </a:ext>
               </a:extLst>
             </p:cNvPr>
@@ -12675,7 +12675,7 @@
           <p:cNvPr id="3" name="TextBox 2">
             <a:extLst>
               <a:ext uri="{FF2B5EF4-FFF2-40B4-BE49-F238E27FC236}">
-                <a16:creationId xmlns="" xmlns:a16="http://schemas.microsoft.com/office/drawing/2014/main" id="{A12364AF-FA95-844E-7299-875EB6153E7E}"/>
+                <a16:creationId xmlns:a16="http://schemas.microsoft.com/office/drawing/2014/main" xmlns="" id="{A12364AF-FA95-844E-7299-875EB6153E7E}"/>
               </a:ext>
             </a:extLst>
           </p:cNvPr>
@@ -12733,7 +12733,7 @@
           <p:cNvPr id="8" name="그림 7">
             <a:extLst>
               <a:ext uri="{FF2B5EF4-FFF2-40B4-BE49-F238E27FC236}">
-                <a16:creationId xmlns="" xmlns:a16="http://schemas.microsoft.com/office/drawing/2014/main" id="{ECB6607F-78F0-101C-064A-00E98C60A2F9}"/>
+                <a16:creationId xmlns:a16="http://schemas.microsoft.com/office/drawing/2014/main" xmlns="" id="{ECB6607F-78F0-101C-064A-00E98C60A2F9}"/>
               </a:ext>
             </a:extLst>
           </p:cNvPr>
@@ -12777,7 +12777,7 @@
             <p:cNvPr id="7" name="TextBox 6">
               <a:extLst>
                 <a:ext uri="{FF2B5EF4-FFF2-40B4-BE49-F238E27FC236}">
-                  <a16:creationId xmlns="" xmlns:a16="http://schemas.microsoft.com/office/drawing/2014/main" id="{7D040E70-05D2-67EC-2673-790A9EF2DB7D}"/>
+                  <a16:creationId xmlns:a16="http://schemas.microsoft.com/office/drawing/2014/main" xmlns="" id="{7D040E70-05D2-67EC-2673-790A9EF2DB7D}"/>
                 </a:ext>
               </a:extLst>
             </p:cNvPr>
@@ -12827,7 +12827,7 @@
             <p:cNvPr id="23" name="직사각형 22">
               <a:extLst>
                 <a:ext uri="{FF2B5EF4-FFF2-40B4-BE49-F238E27FC236}">
-                  <a16:creationId xmlns="" xmlns:a16="http://schemas.microsoft.com/office/drawing/2014/main" id="{882A4011-7371-CFAC-75D6-82F7C30DF347}"/>
+                  <a16:creationId xmlns:a16="http://schemas.microsoft.com/office/drawing/2014/main" xmlns="" id="{882A4011-7371-CFAC-75D6-82F7C30DF347}"/>
                 </a:ext>
               </a:extLst>
             </p:cNvPr>
@@ -12883,7 +12883,7 @@
           <p:cNvPr id="25" name="TextBox 24">
             <a:extLst>
               <a:ext uri="{FF2B5EF4-FFF2-40B4-BE49-F238E27FC236}">
-                <a16:creationId xmlns="" xmlns:a16="http://schemas.microsoft.com/office/drawing/2014/main" id="{29893BAC-CB3F-3BEC-1610-46DFD22CAAC8}"/>
+                <a16:creationId xmlns:a16="http://schemas.microsoft.com/office/drawing/2014/main" xmlns="" id="{29893BAC-CB3F-3BEC-1610-46DFD22CAAC8}"/>
               </a:ext>
             </a:extLst>
           </p:cNvPr>
@@ -13049,7 +13049,7 @@
         <p:cNvPr id="1" name="">
           <a:extLst>
             <a:ext uri="{FF2B5EF4-FFF2-40B4-BE49-F238E27FC236}">
-              <a16:creationId xmlns="" xmlns:a16="http://schemas.microsoft.com/office/drawing/2014/main" id="{BC08CD26-A2A0-3AB9-8FD7-29C231FFB51C}"/>
+              <a16:creationId xmlns:a16="http://schemas.microsoft.com/office/drawing/2014/main" xmlns="" id="{BC08CD26-A2A0-3AB9-8FD7-29C231FFB51C}"/>
             </a:ext>
           </a:extLst>
         </p:cNvPr>
@@ -13083,7 +13083,7 @@
             <p:cNvPr id="12" name="TextBox 11">
               <a:extLst>
                 <a:ext uri="{FF2B5EF4-FFF2-40B4-BE49-F238E27FC236}">
-                  <a16:creationId xmlns="" xmlns:a16="http://schemas.microsoft.com/office/drawing/2014/main" id="{7D040E70-05D2-67EC-2673-790A9EF2DB7D}"/>
+                  <a16:creationId xmlns:a16="http://schemas.microsoft.com/office/drawing/2014/main" xmlns="" id="{7D040E70-05D2-67EC-2673-790A9EF2DB7D}"/>
                 </a:ext>
               </a:extLst>
             </p:cNvPr>
@@ -13133,7 +13133,7 @@
             <p:cNvPr id="13" name="직사각형 12">
               <a:extLst>
                 <a:ext uri="{FF2B5EF4-FFF2-40B4-BE49-F238E27FC236}">
-                  <a16:creationId xmlns="" xmlns:a16="http://schemas.microsoft.com/office/drawing/2014/main" id="{882A4011-7371-CFAC-75D6-82F7C30DF347}"/>
+                  <a16:creationId xmlns:a16="http://schemas.microsoft.com/office/drawing/2014/main" xmlns="" id="{882A4011-7371-CFAC-75D6-82F7C30DF347}"/>
                 </a:ext>
               </a:extLst>
             </p:cNvPr>
@@ -13242,7 +13242,7 @@
           <p:cNvPr id="3" name="TextBox 2">
             <a:extLst>
               <a:ext uri="{FF2B5EF4-FFF2-40B4-BE49-F238E27FC236}">
-                <a16:creationId xmlns="" xmlns:a16="http://schemas.microsoft.com/office/drawing/2014/main" id="{167971BB-F43A-E3DC-777E-EF28C807A0FB}"/>
+                <a16:creationId xmlns:a16="http://schemas.microsoft.com/office/drawing/2014/main" xmlns="" id="{167971BB-F43A-E3DC-777E-EF28C807A0FB}"/>
               </a:ext>
             </a:extLst>
           </p:cNvPr>
@@ -13300,7 +13300,7 @@
           <p:cNvPr id="25" name="TextBox 24">
             <a:extLst>
               <a:ext uri="{FF2B5EF4-FFF2-40B4-BE49-F238E27FC236}">
-                <a16:creationId xmlns="" xmlns:a16="http://schemas.microsoft.com/office/drawing/2014/main" id="{B6E38836-526A-6A86-2223-95C8250A4C11}"/>
+                <a16:creationId xmlns:a16="http://schemas.microsoft.com/office/drawing/2014/main" xmlns="" id="{B6E38836-526A-6A86-2223-95C8250A4C11}"/>
               </a:ext>
             </a:extLst>
           </p:cNvPr>
@@ -13378,7 +13378,7 @@
           <p:cNvPr id="9" name="Picture 2">
             <a:extLst>
               <a:ext uri="{FF2B5EF4-FFF2-40B4-BE49-F238E27FC236}">
-                <a16:creationId xmlns="" xmlns:a16="http://schemas.microsoft.com/office/drawing/2014/main" id="{3AD1E031-B603-DE23-5515-EE5A77330FEB}"/>
+                <a16:creationId xmlns:a16="http://schemas.microsoft.com/office/drawing/2014/main" xmlns="" id="{3AD1E031-B603-DE23-5515-EE5A77330FEB}"/>
               </a:ext>
             </a:extLst>
           </p:cNvPr>
@@ -13431,7 +13431,7 @@
         <p:cNvPr id="1" name="">
           <a:extLst>
             <a:ext uri="{FF2B5EF4-FFF2-40B4-BE49-F238E27FC236}">
-              <a16:creationId xmlns="" xmlns:a16="http://schemas.microsoft.com/office/drawing/2014/main" id="{BC08CD26-A2A0-3AB9-8FD7-29C231FFB51C}"/>
+              <a16:creationId xmlns:a16="http://schemas.microsoft.com/office/drawing/2014/main" xmlns="" id="{BC08CD26-A2A0-3AB9-8FD7-29C231FFB51C}"/>
             </a:ext>
           </a:extLst>
         </p:cNvPr>
@@ -13504,7 +13504,7 @@
           <p:cNvPr id="3" name="TextBox 2">
             <a:extLst>
               <a:ext uri="{FF2B5EF4-FFF2-40B4-BE49-F238E27FC236}">
-                <a16:creationId xmlns="" xmlns:a16="http://schemas.microsoft.com/office/drawing/2014/main" id="{167971BB-F43A-E3DC-777E-EF28C807A0FB}"/>
+                <a16:creationId xmlns:a16="http://schemas.microsoft.com/office/drawing/2014/main" xmlns="" id="{167971BB-F43A-E3DC-777E-EF28C807A0FB}"/>
               </a:ext>
             </a:extLst>
           </p:cNvPr>
@@ -13576,7 +13576,7 @@
             <p:cNvPr id="7" name="TextBox 6">
               <a:extLst>
                 <a:ext uri="{FF2B5EF4-FFF2-40B4-BE49-F238E27FC236}">
-                  <a16:creationId xmlns="" xmlns:a16="http://schemas.microsoft.com/office/drawing/2014/main" id="{F698AEC1-6CB3-0BA2-BF6D-A76B4F4B29D8}"/>
+                  <a16:creationId xmlns:a16="http://schemas.microsoft.com/office/drawing/2014/main" xmlns="" id="{F698AEC1-6CB3-0BA2-BF6D-A76B4F4B29D8}"/>
                 </a:ext>
               </a:extLst>
             </p:cNvPr>
@@ -13608,7 +13608,23 @@
                   <a:ea typeface="LG Smart UI Regular" panose="020B0500000101010101" pitchFamily="50" charset="-127"/>
                   <a:cs typeface="Calibri"/>
                 </a:rPr>
-                <a:t>유입 경로  분석 결과</a:t>
+                <a:t>유입 </a:t>
+              </a:r>
+              <a:r>
+                <a:rPr lang="ko-KR" altLang="en-US" sz="3200" dirty="0" smtClean="0">
+                  <a:latin typeface="LG Smart UI Regular" panose="020B0500000101010101" pitchFamily="50" charset="-127"/>
+                  <a:ea typeface="LG Smart UI Regular" panose="020B0500000101010101" pitchFamily="50" charset="-127"/>
+                  <a:cs typeface="Calibri"/>
+                </a:rPr>
+                <a:t>경로 </a:t>
+              </a:r>
+              <a:r>
+                <a:rPr lang="ko-KR" altLang="en-US" sz="3200" dirty="0" smtClean="0">
+                  <a:latin typeface="LG Smart UI Regular" panose="020B0500000101010101" pitchFamily="50" charset="-127"/>
+                  <a:ea typeface="LG Smart UI Regular" panose="020B0500000101010101" pitchFamily="50" charset="-127"/>
+                  <a:cs typeface="Calibri"/>
+                </a:rPr>
+                <a:t>분석 결과</a:t>
               </a:r>
               <a:endParaRPr lang="ko-KR" altLang="en-US" sz="3200" dirty="0">
                 <a:latin typeface="LG Smart UI Regular" panose="020B0500000101010101" pitchFamily="50" charset="-127"/>
@@ -13623,7 +13639,7 @@
             <p:cNvPr id="23" name="직사각형 22">
               <a:extLst>
                 <a:ext uri="{FF2B5EF4-FFF2-40B4-BE49-F238E27FC236}">
-                  <a16:creationId xmlns="" xmlns:a16="http://schemas.microsoft.com/office/drawing/2014/main" id="{15780B38-3605-618F-91B0-07D654B49D4D}"/>
+                  <a16:creationId xmlns:a16="http://schemas.microsoft.com/office/drawing/2014/main" xmlns="" id="{15780B38-3605-618F-91B0-07D654B49D4D}"/>
                 </a:ext>
               </a:extLst>
             </p:cNvPr>
@@ -13679,7 +13695,7 @@
           <p:cNvPr id="25" name="TextBox 24">
             <a:extLst>
               <a:ext uri="{FF2B5EF4-FFF2-40B4-BE49-F238E27FC236}">
-                <a16:creationId xmlns="" xmlns:a16="http://schemas.microsoft.com/office/drawing/2014/main" id="{B6E38836-526A-6A86-2223-95C8250A4C11}"/>
+                <a16:creationId xmlns:a16="http://schemas.microsoft.com/office/drawing/2014/main" xmlns="" id="{B6E38836-526A-6A86-2223-95C8250A4C11}"/>
               </a:ext>
             </a:extLst>
           </p:cNvPr>
@@ -13750,7 +13766,7 @@
           <p:cNvPr id="8" name="Picture 3">
             <a:extLst>
               <a:ext uri="{FF2B5EF4-FFF2-40B4-BE49-F238E27FC236}">
-                <a16:creationId xmlns="" xmlns:a16="http://schemas.microsoft.com/office/drawing/2014/main" id="{7AA355AB-2E37-1CDE-F064-F4B7D13508D8}"/>
+                <a16:creationId xmlns:a16="http://schemas.microsoft.com/office/drawing/2014/main" xmlns="" id="{7AA355AB-2E37-1CDE-F064-F4B7D13508D8}"/>
               </a:ext>
             </a:extLst>
           </p:cNvPr>
@@ -13803,7 +13819,7 @@
         <p:cNvPr id="1" name="">
           <a:extLst>
             <a:ext uri="{FF2B5EF4-FFF2-40B4-BE49-F238E27FC236}">
-              <a16:creationId xmlns="" xmlns:a16="http://schemas.microsoft.com/office/drawing/2014/main" id="{BC08CD26-A2A0-3AB9-8FD7-29C231FFB51C}"/>
+              <a16:creationId xmlns:a16="http://schemas.microsoft.com/office/drawing/2014/main" xmlns="" id="{BC08CD26-A2A0-3AB9-8FD7-29C231FFB51C}"/>
             </a:ext>
           </a:extLst>
         </p:cNvPr>
@@ -13876,7 +13892,7 @@
           <p:cNvPr id="3" name="TextBox 2">
             <a:extLst>
               <a:ext uri="{FF2B5EF4-FFF2-40B4-BE49-F238E27FC236}">
-                <a16:creationId xmlns="" xmlns:a16="http://schemas.microsoft.com/office/drawing/2014/main" id="{167971BB-F43A-E3DC-777E-EF28C807A0FB}"/>
+                <a16:creationId xmlns:a16="http://schemas.microsoft.com/office/drawing/2014/main" xmlns="" id="{167971BB-F43A-E3DC-777E-EF28C807A0FB}"/>
               </a:ext>
             </a:extLst>
           </p:cNvPr>
@@ -13948,7 +13964,7 @@
             <p:cNvPr id="7" name="TextBox 6">
               <a:extLst>
                 <a:ext uri="{FF2B5EF4-FFF2-40B4-BE49-F238E27FC236}">
-                  <a16:creationId xmlns="" xmlns:a16="http://schemas.microsoft.com/office/drawing/2014/main" id="{F698AEC1-6CB3-0BA2-BF6D-A76B4F4B29D8}"/>
+                  <a16:creationId xmlns:a16="http://schemas.microsoft.com/office/drawing/2014/main" xmlns="" id="{F698AEC1-6CB3-0BA2-BF6D-A76B4F4B29D8}"/>
                 </a:ext>
               </a:extLst>
             </p:cNvPr>
@@ -13980,7 +13996,15 @@
                   <a:ea typeface="LG Smart UI Regular" panose="020B0500000101010101" pitchFamily="50" charset="-127"/>
                   <a:cs typeface="Calibri"/>
                 </a:rPr>
-                <a:t>유입 경로  분석 결과</a:t>
+                <a:t>지역 별 접속 </a:t>
+              </a:r>
+              <a:r>
+                <a:rPr lang="ko-KR" altLang="en-US" sz="3200" dirty="0" smtClean="0">
+                  <a:latin typeface="LG Smart UI Regular" panose="020B0500000101010101" pitchFamily="50" charset="-127"/>
+                  <a:ea typeface="LG Smart UI Regular" panose="020B0500000101010101" pitchFamily="50" charset="-127"/>
+                  <a:cs typeface="Calibri"/>
+                </a:rPr>
+                <a:t>분석 결과</a:t>
               </a:r>
               <a:endParaRPr lang="ko-KR" altLang="en-US" sz="3200" dirty="0">
                 <a:latin typeface="LG Smart UI Regular" panose="020B0500000101010101" pitchFamily="50" charset="-127"/>
@@ -13995,7 +14019,7 @@
             <p:cNvPr id="23" name="직사각형 22">
               <a:extLst>
                 <a:ext uri="{FF2B5EF4-FFF2-40B4-BE49-F238E27FC236}">
-                  <a16:creationId xmlns="" xmlns:a16="http://schemas.microsoft.com/office/drawing/2014/main" id="{15780B38-3605-618F-91B0-07D654B49D4D}"/>
+                  <a16:creationId xmlns:a16="http://schemas.microsoft.com/office/drawing/2014/main" xmlns="" id="{15780B38-3605-618F-91B0-07D654B49D4D}"/>
                 </a:ext>
               </a:extLst>
             </p:cNvPr>
@@ -14051,7 +14075,7 @@
           <p:cNvPr id="25" name="TextBox 24">
             <a:extLst>
               <a:ext uri="{FF2B5EF4-FFF2-40B4-BE49-F238E27FC236}">
-                <a16:creationId xmlns="" xmlns:a16="http://schemas.microsoft.com/office/drawing/2014/main" id="{B6E38836-526A-6A86-2223-95C8250A4C11}"/>
+                <a16:creationId xmlns:a16="http://schemas.microsoft.com/office/drawing/2014/main" xmlns="" id="{B6E38836-526A-6A86-2223-95C8250A4C11}"/>
               </a:ext>
             </a:extLst>
           </p:cNvPr>
@@ -14154,7 +14178,7 @@
           <p:cNvPr id="11" name="그림 10" descr="텍스트, 지도, 도표이(가) 표시된 사진&#10;&#10;AI 생성 콘텐츠는 정확하지 않을 수 있습니다.">
             <a:extLst>
               <a:ext uri="{FF2B5EF4-FFF2-40B4-BE49-F238E27FC236}">
-                <a16:creationId xmlns="" xmlns:a16="http://schemas.microsoft.com/office/drawing/2014/main" id="{2B84FC9C-9641-9809-E9F2-4E823C23C182}"/>
+                <a16:creationId xmlns:a16="http://schemas.microsoft.com/office/drawing/2014/main" xmlns="" id="{2B84FC9C-9641-9809-E9F2-4E823C23C182}"/>
               </a:ext>
             </a:extLst>
           </p:cNvPr>
@@ -14206,7 +14230,7 @@
         <p:cNvPr id="1" name="">
           <a:extLst>
             <a:ext uri="{FF2B5EF4-FFF2-40B4-BE49-F238E27FC236}">
-              <a16:creationId xmlns="" xmlns:a16="http://schemas.microsoft.com/office/drawing/2014/main" id="{BC08CD26-A2A0-3AB9-8FD7-29C231FFB51C}"/>
+              <a16:creationId xmlns:a16="http://schemas.microsoft.com/office/drawing/2014/main" xmlns="" id="{BC08CD26-A2A0-3AB9-8FD7-29C231FFB51C}"/>
             </a:ext>
           </a:extLst>
         </p:cNvPr>
@@ -14240,7 +14264,7 @@
             <p:cNvPr id="11" name="TextBox 10">
               <a:extLst>
                 <a:ext uri="{FF2B5EF4-FFF2-40B4-BE49-F238E27FC236}">
-                  <a16:creationId xmlns="" xmlns:a16="http://schemas.microsoft.com/office/drawing/2014/main" id="{F698AEC1-6CB3-0BA2-BF6D-A76B4F4B29D8}"/>
+                  <a16:creationId xmlns:a16="http://schemas.microsoft.com/office/drawing/2014/main" xmlns="" id="{F698AEC1-6CB3-0BA2-BF6D-A76B4F4B29D8}"/>
                 </a:ext>
               </a:extLst>
             </p:cNvPr>
@@ -14287,7 +14311,7 @@
             <p:cNvPr id="12" name="직사각형 11">
               <a:extLst>
                 <a:ext uri="{FF2B5EF4-FFF2-40B4-BE49-F238E27FC236}">
-                  <a16:creationId xmlns="" xmlns:a16="http://schemas.microsoft.com/office/drawing/2014/main" id="{15780B38-3605-618F-91B0-07D654B49D4D}"/>
+                  <a16:creationId xmlns:a16="http://schemas.microsoft.com/office/drawing/2014/main" xmlns="" id="{15780B38-3605-618F-91B0-07D654B49D4D}"/>
                 </a:ext>
               </a:extLst>
             </p:cNvPr>
@@ -14396,7 +14420,7 @@
           <p:cNvPr id="3" name="TextBox 2">
             <a:extLst>
               <a:ext uri="{FF2B5EF4-FFF2-40B4-BE49-F238E27FC236}">
-                <a16:creationId xmlns="" xmlns:a16="http://schemas.microsoft.com/office/drawing/2014/main" id="{167971BB-F43A-E3DC-777E-EF28C807A0FB}"/>
+                <a16:creationId xmlns:a16="http://schemas.microsoft.com/office/drawing/2014/main" xmlns="" id="{167971BB-F43A-E3DC-777E-EF28C807A0FB}"/>
               </a:ext>
             </a:extLst>
           </p:cNvPr>
@@ -14454,7 +14478,7 @@
           <p:cNvPr id="10" name="Picture 5">
             <a:extLst>
               <a:ext uri="{FF2B5EF4-FFF2-40B4-BE49-F238E27FC236}">
-                <a16:creationId xmlns="" xmlns:a16="http://schemas.microsoft.com/office/drawing/2014/main" id="{A5920D09-4CFD-93F6-1441-71FFEF7E8136}"/>
+                <a16:creationId xmlns:a16="http://schemas.microsoft.com/office/drawing/2014/main" xmlns="" id="{A5920D09-4CFD-93F6-1441-71FFEF7E8136}"/>
               </a:ext>
             </a:extLst>
           </p:cNvPr>
@@ -14484,7 +14508,7 @@
           <p:cNvPr id="13" name="TextBox 12">
             <a:extLst>
               <a:ext uri="{FF2B5EF4-FFF2-40B4-BE49-F238E27FC236}">
-                <a16:creationId xmlns="" xmlns:a16="http://schemas.microsoft.com/office/drawing/2014/main" id="{B6E38836-526A-6A86-2223-95C8250A4C11}"/>
+                <a16:creationId xmlns:a16="http://schemas.microsoft.com/office/drawing/2014/main" xmlns="" id="{B6E38836-526A-6A86-2223-95C8250A4C11}"/>
               </a:ext>
             </a:extLst>
           </p:cNvPr>

--- a/report/LG_부트캠프_09기_B반_결과보고서(3팀).pptx
+++ b/report/LG_부트캠프_09기_B반_결과보고서(3팀).pptx
@@ -13727,7 +13727,7 @@
                 <a:ea typeface="LG Smart UI Regular" panose="020B0500000101010101" pitchFamily="50" charset="-127"/>
                 <a:cs typeface="Calibri"/>
               </a:rPr>
-              <a:t>User Agent </a:t>
+              <a:t>Referrer </a:t>
             </a:r>
             <a:r>
               <a:rPr lang="ko-KR" altLang="en-US" smtClean="0">
@@ -13735,7 +13735,15 @@
                 <a:ea typeface="LG Smart UI Regular" panose="020B0500000101010101" pitchFamily="50" charset="-127"/>
                 <a:cs typeface="Calibri"/>
               </a:rPr>
-              <a:t>값 활용하여 유입 경로 순위</a:t>
+              <a:t>값 </a:t>
+            </a:r>
+            <a:r>
+              <a:rPr lang="ko-KR" altLang="en-US" dirty="0" smtClean="0">
+                <a:latin typeface="LG Smart UI Regular" panose="020B0500000101010101" pitchFamily="50" charset="-127"/>
+                <a:ea typeface="LG Smart UI Regular" panose="020B0500000101010101" pitchFamily="50" charset="-127"/>
+                <a:cs typeface="Calibri"/>
+              </a:rPr>
+              <a:t>활용하여 유입 경로 순위</a:t>
             </a:r>
             <a:r>
               <a:rPr lang="en-US" altLang="ko-KR" dirty="0" smtClean="0">
